--- a/브런치스토리_스토리보드.pptx
+++ b/브런치스토리_스토리보드.pptx
@@ -8,10 +8,10 @@
     <p:sldId id="256" r:id="rId2"/>
     <p:sldId id="257" r:id="rId3"/>
     <p:sldId id="258" r:id="rId4"/>
-    <p:sldId id="259" r:id="rId5"/>
-    <p:sldId id="260" r:id="rId6"/>
-    <p:sldId id="261" r:id="rId7"/>
-    <p:sldId id="262" r:id="rId8"/>
+    <p:sldId id="262" r:id="rId5"/>
+    <p:sldId id="259" r:id="rId6"/>
+    <p:sldId id="260" r:id="rId7"/>
+    <p:sldId id="261" r:id="rId8"/>
     <p:sldId id="263" r:id="rId9"/>
     <p:sldId id="264" r:id="rId10"/>
     <p:sldId id="265" r:id="rId11"/>
@@ -113,6 +113,11 @@
       </a:defRPr>
     </a:lvl9pPr>
   </p:defaultTextStyle>
+  <p:extLst>
+    <p:ext uri="{EFAFB233-063F-42B5-8137-9DF3F51BA10A}">
+      <p15:sldGuideLst xmlns:p15="http://schemas.microsoft.com/office/powerpoint/2012/main"/>
+    </p:ext>
+  </p:extLst>
 </p:presentation>
 </file>
 
@@ -3940,7 +3945,7 @@
         <p:spPr>
           <a:xfrm>
             <a:off x="431597" y="219456"/>
-            <a:ext cx="1107996" cy="369332"/>
+            <a:ext cx="3924408" cy="369332"/>
           </a:xfrm>
           <a:prstGeom prst="rect">
             <a:avLst/>
@@ -3955,8 +3960,29 @@
           <a:p>
             <a:r>
               <a:rPr lang="ko-KR" altLang="en-US" dirty="0"/>
-              <a:t>회원가입</a:t>
-            </a:r>
+              <a:t>회원가입 </a:t>
+            </a:r>
+            <a:r>
+              <a:rPr lang="en-US" altLang="ko-KR" dirty="0"/>
+              <a:t>(</a:t>
+            </a:r>
+            <a:r>
+              <a:rPr lang="en-US" altLang="ko-KR" dirty="0" err="1"/>
+              <a:t>signup.page</a:t>
+            </a:r>
+            <a:r>
+              <a:rPr lang="en-US" altLang="ko-KR" dirty="0"/>
+              <a:t> – </a:t>
+            </a:r>
+            <a:r>
+              <a:rPr lang="en-US" altLang="ko-KR" dirty="0" err="1"/>
+              <a:t>signup.jsp</a:t>
+            </a:r>
+            <a:r>
+              <a:rPr lang="en-US" altLang="ko-KR" dirty="0"/>
+              <a:t>)</a:t>
+            </a:r>
+            <a:endParaRPr lang="ko-KR" altLang="en-US" dirty="0"/>
           </a:p>
         </p:txBody>
       </p:sp>
@@ -4131,7 +4157,7 @@
         </p:nvSpPr>
         <p:spPr>
           <a:xfrm>
-            <a:off x="555817" y="5048337"/>
+            <a:off x="444260" y="5081799"/>
             <a:ext cx="4828982" cy="531196"/>
           </a:xfrm>
           <a:prstGeom prst="rect">
@@ -4165,6 +4191,30 @@
           <a:lstStyle/>
           <a:p>
             <a:pPr algn="ctr"/>
+            <a:r>
+              <a:rPr lang="en-US" altLang="ko-KR" sz="1400" dirty="0">
+                <a:solidFill>
+                  <a:schemeClr val="tx1"/>
+                </a:solidFill>
+              </a:rPr>
+              <a:t>&lt;</a:t>
+            </a:r>
+            <a:r>
+              <a:rPr lang="ko-KR" altLang="en-US" sz="1400" dirty="0">
+                <a:solidFill>
+                  <a:schemeClr val="tx1"/>
+                </a:solidFill>
+              </a:rPr>
+              <a:t>회원가입</a:t>
+            </a:r>
+            <a:r>
+              <a:rPr lang="en-US" altLang="ko-KR" sz="1400" dirty="0">
+                <a:solidFill>
+                  <a:schemeClr val="tx1"/>
+                </a:solidFill>
+              </a:rPr>
+              <a:t>&gt;</a:t>
+            </a:r>
             <a:endParaRPr lang="ko-KR" altLang="en-US" sz="1400" dirty="0">
               <a:solidFill>
                 <a:schemeClr val="tx1"/>
@@ -4188,7 +4238,7 @@
         <p:spPr>
           <a:xfrm>
             <a:off x="6434666" y="767817"/>
-            <a:ext cx="2758711" cy="646331"/>
+            <a:ext cx="4896579" cy="1200329"/>
           </a:xfrm>
           <a:prstGeom prst="rect">
             <a:avLst/>
@@ -4219,6 +4269,41 @@
             <a:r>
               <a:rPr lang="ko-KR" altLang="en-US" dirty="0"/>
               <a:t>이메일 인증</a:t>
+            </a:r>
+            <a:endParaRPr lang="en-US" altLang="ko-KR" dirty="0"/>
+          </a:p>
+          <a:p>
+            <a:pPr marL="285750" indent="-285750">
+              <a:buFontTx/>
+              <a:buChar char="-"/>
+            </a:pPr>
+            <a:r>
+              <a:rPr lang="ko-KR" altLang="en-US" dirty="0" err="1"/>
+              <a:t>회원가입하면</a:t>
+            </a:r>
+            <a:r>
+              <a:rPr lang="ko-KR" altLang="en-US" dirty="0"/>
+              <a:t> 바로 로그인 후 </a:t>
+            </a:r>
+            <a:r>
+              <a:rPr lang="en-US" altLang="ko-KR" dirty="0"/>
+              <a:t>referrer </a:t>
+            </a:r>
+            <a:r>
+              <a:rPr lang="ko-KR" altLang="en-US" dirty="0"/>
+              <a:t>페이지로 이동</a:t>
+            </a:r>
+            <a:r>
+              <a:rPr lang="en-US" altLang="ko-KR" dirty="0"/>
+              <a:t>(referrer</a:t>
+            </a:r>
+            <a:r>
+              <a:rPr lang="ko-KR" altLang="en-US" dirty="0"/>
+              <a:t> 없으면 메인</a:t>
+            </a:r>
+            <a:r>
+              <a:rPr lang="en-US" altLang="ko-KR" dirty="0"/>
+              <a:t>)</a:t>
             </a:r>
           </a:p>
         </p:txBody>
@@ -4368,7 +4453,7 @@
         </p:nvSpPr>
         <p:spPr>
           <a:xfrm>
-            <a:off x="800739" y="628208"/>
+            <a:off x="800739" y="628209"/>
             <a:ext cx="5052095" cy="353587"/>
           </a:xfrm>
           <a:prstGeom prst="rect">
@@ -4454,8 +4539,8 @@
         </p:nvSpPr>
         <p:spPr>
           <a:xfrm>
-            <a:off x="146304" y="58522"/>
-            <a:ext cx="646331" cy="369332"/>
+            <a:off x="234087" y="71874"/>
+            <a:ext cx="3818609" cy="369332"/>
           </a:xfrm>
           <a:prstGeom prst="rect">
             <a:avLst/>
@@ -4469,9 +4554,30 @@
           <a:lstStyle/>
           <a:p>
             <a:r>
+              <a:rPr lang="ko-KR" altLang="en-US" dirty="0" err="1"/>
+              <a:t>메인페이지</a:t>
+            </a:r>
+            <a:r>
               <a:rPr lang="ko-KR" altLang="en-US" dirty="0"/>
-              <a:t>메인</a:t>
-            </a:r>
+              <a:t> </a:t>
+            </a:r>
+            <a:r>
+              <a:rPr lang="en-US" altLang="ko-KR" dirty="0"/>
+              <a:t>– </a:t>
+            </a:r>
+            <a:r>
+              <a:rPr lang="en-US" altLang="ko-KR" dirty="0" err="1"/>
+              <a:t>main.page</a:t>
+            </a:r>
+            <a:r>
+              <a:rPr lang="en-US" altLang="ko-KR" dirty="0"/>
+              <a:t> - </a:t>
+            </a:r>
+            <a:r>
+              <a:rPr lang="en-US" altLang="ko-KR" dirty="0" err="1"/>
+              <a:t>main.jsp</a:t>
+            </a:r>
+            <a:endParaRPr lang="ko-KR" altLang="en-US" dirty="0"/>
           </a:p>
         </p:txBody>
       </p:sp>
@@ -4497,7 +4603,7 @@
         </p:blipFill>
         <p:spPr>
           <a:xfrm>
-            <a:off x="386193" y="516023"/>
+            <a:off x="327671" y="699622"/>
             <a:ext cx="6402314" cy="3897657"/>
           </a:xfrm>
           <a:prstGeom prst="rect">
@@ -4526,7 +4632,7 @@
         </p:blipFill>
         <p:spPr>
           <a:xfrm>
-            <a:off x="499125" y="4328818"/>
+            <a:off x="440603" y="4512417"/>
             <a:ext cx="6289382" cy="2089043"/>
           </a:xfrm>
           <a:prstGeom prst="rect">
@@ -4548,8 +4654,8 @@
         </p:nvSpPr>
         <p:spPr>
           <a:xfrm>
-            <a:off x="6955536" y="1761393"/>
-            <a:ext cx="4204997" cy="923330"/>
+            <a:off x="6729984" y="1883918"/>
+            <a:ext cx="4059935" cy="1200329"/>
           </a:xfrm>
           <a:prstGeom prst="rect">
             <a:avLst/>
@@ -4557,7 +4663,7 @@
           <a:noFill/>
         </p:spPr>
         <p:txBody>
-          <a:bodyPr wrap="none" rtlCol="0">
+          <a:bodyPr wrap="square" rtlCol="0">
             <a:spAutoFit/>
           </a:bodyPr>
           <a:lstStyle/>
@@ -4587,7 +4693,26 @@
             </a:r>
             <a:r>
               <a:rPr lang="ko-KR" altLang="en-US" dirty="0"/>
-              <a:t> 해당 상세페이지로 </a:t>
+              <a:t> 해당 상세페이지</a:t>
+            </a:r>
+            <a:endParaRPr lang="en-US" altLang="ko-KR" dirty="0"/>
+          </a:p>
+          <a:p>
+            <a:r>
+              <a:rPr lang="en-US" altLang="ko-KR" dirty="0"/>
+              <a:t> (</a:t>
+            </a:r>
+            <a:r>
+              <a:rPr lang="en-US" altLang="ko-KR" dirty="0" err="1"/>
+              <a:t>detail.do?blogListNo</a:t>
+            </a:r>
+            <a:r>
+              <a:rPr lang="en-US" altLang="ko-KR" dirty="0"/>
+              <a:t>=)</a:t>
+            </a:r>
+            <a:r>
+              <a:rPr lang="ko-KR" altLang="en-US" dirty="0"/>
+              <a:t> </a:t>
             </a:r>
             <a:r>
               <a:rPr lang="ko-KR" altLang="en-US" dirty="0" err="1"/>
@@ -4625,8 +4750,8 @@
         </p:nvSpPr>
         <p:spPr>
           <a:xfrm>
-            <a:off x="7109155" y="5373339"/>
-            <a:ext cx="4435830" cy="369332"/>
+            <a:off x="7028688" y="5724468"/>
+            <a:ext cx="4938979" cy="646331"/>
           </a:xfrm>
           <a:prstGeom prst="rect">
             <a:avLst/>
@@ -4634,7 +4759,7 @@
           <a:noFill/>
         </p:spPr>
         <p:txBody>
-          <a:bodyPr wrap="none" rtlCol="0">
+          <a:bodyPr wrap="square" rtlCol="0">
             <a:spAutoFit/>
           </a:bodyPr>
           <a:lstStyle/>
@@ -4649,7 +4774,26 @@
             </a:r>
             <a:r>
               <a:rPr lang="ko-KR" altLang="en-US" dirty="0"/>
-              <a:t> 카테고리 페이지로 </a:t>
+              <a:t> 카테고리 페이지</a:t>
+            </a:r>
+            <a:endParaRPr lang="en-US" altLang="ko-KR" dirty="0"/>
+          </a:p>
+          <a:p>
+            <a:r>
+              <a:rPr lang="en-US" altLang="ko-KR" dirty="0"/>
+              <a:t>(</a:t>
+            </a:r>
+            <a:r>
+              <a:rPr lang="en-US" altLang="ko-KR" dirty="0" err="1"/>
+              <a:t>keyword.do?keywordNo</a:t>
+            </a:r>
+            <a:r>
+              <a:rPr lang="en-US" altLang="ko-KR" dirty="0"/>
+              <a:t>=..)</a:t>
+            </a:r>
+            <a:r>
+              <a:rPr lang="ko-KR" altLang="en-US" dirty="0"/>
+              <a:t>로 </a:t>
             </a:r>
             <a:r>
               <a:rPr lang="ko-KR" altLang="en-US" dirty="0" err="1"/>
@@ -4673,7 +4817,7 @@
         </p:nvSpPr>
         <p:spPr>
           <a:xfrm>
-            <a:off x="6955536" y="635327"/>
+            <a:off x="3962599" y="796261"/>
             <a:ext cx="1963999" cy="369332"/>
           </a:xfrm>
           <a:prstGeom prst="rect">
@@ -4739,7 +4883,7 @@
         <p:spPr>
           <a:xfrm>
             <a:off x="146304" y="58522"/>
-            <a:ext cx="1338828" cy="369332"/>
+            <a:ext cx="7203639" cy="369332"/>
           </a:xfrm>
           <a:prstGeom prst="rect">
             <a:avLst/>
@@ -4754,8 +4898,25 @@
           <a:p>
             <a:r>
               <a:rPr lang="ko-KR" altLang="en-US" dirty="0"/>
-              <a:t>마이페이지</a:t>
-            </a:r>
+              <a:t>마이페이지 </a:t>
+            </a:r>
+            <a:r>
+              <a:rPr lang="en-US" altLang="ko-KR" dirty="0"/>
+              <a:t>: </a:t>
+            </a:r>
+            <a:r>
+              <a:rPr lang="en-US" altLang="ko-KR" dirty="0" err="1"/>
+              <a:t>mypage.do?userno</a:t>
+            </a:r>
+            <a:r>
+              <a:rPr lang="en-US" altLang="ko-KR" dirty="0"/>
+              <a:t>=12345&amp;blogNo=?? - </a:t>
+            </a:r>
+            <a:r>
+              <a:rPr lang="en-US" altLang="ko-KR" dirty="0" err="1"/>
+              <a:t>mypage.jsp</a:t>
+            </a:r>
+            <a:endParaRPr lang="ko-KR" altLang="en-US" dirty="0"/>
           </a:p>
         </p:txBody>
       </p:sp>
@@ -5579,6 +5740,142 @@
           </a:p>
         </p:txBody>
       </p:sp>
+      <p:sp>
+        <p:nvSpPr>
+          <p:cNvPr id="5" name="TextBox 4">
+            <a:extLst>
+              <a:ext uri="{FF2B5EF4-FFF2-40B4-BE49-F238E27FC236}">
+                <a16:creationId xmlns:a16="http://schemas.microsoft.com/office/drawing/2014/main" id="{6846451F-FEB2-94C9-2021-7A5E6271936B}"/>
+              </a:ext>
+            </a:extLst>
+          </p:cNvPr>
+          <p:cNvSpPr txBox="1"/>
+          <p:nvPr/>
+        </p:nvSpPr>
+        <p:spPr>
+          <a:xfrm>
+            <a:off x="3420207" y="2073418"/>
+            <a:ext cx="2549352" cy="369332"/>
+          </a:xfrm>
+          <a:prstGeom prst="rect">
+            <a:avLst/>
+          </a:prstGeom>
+          <a:noFill/>
+        </p:spPr>
+        <p:txBody>
+          <a:bodyPr wrap="none" rtlCol="0">
+            <a:spAutoFit/>
+          </a:bodyPr>
+          <a:lstStyle/>
+          <a:p>
+            <a:r>
+              <a:rPr lang="ko-KR" altLang="en-US" dirty="0"/>
+              <a:t>프로필 편집</a:t>
+            </a:r>
+            <a:r>
+              <a:rPr lang="en-US" altLang="ko-KR" dirty="0"/>
+              <a:t>(profile.do)</a:t>
+            </a:r>
+            <a:endParaRPr lang="ko-KR" altLang="en-US" dirty="0"/>
+          </a:p>
+        </p:txBody>
+      </p:sp>
+      <p:sp>
+        <p:nvSpPr>
+          <p:cNvPr id="12" name="TextBox 11">
+            <a:extLst>
+              <a:ext uri="{FF2B5EF4-FFF2-40B4-BE49-F238E27FC236}">
+                <a16:creationId xmlns:a16="http://schemas.microsoft.com/office/drawing/2014/main" id="{719E623A-A1F0-A072-E0D9-6E3FA23B8E09}"/>
+              </a:ext>
+            </a:extLst>
+          </p:cNvPr>
+          <p:cNvSpPr txBox="1"/>
+          <p:nvPr/>
+        </p:nvSpPr>
+        <p:spPr>
+          <a:xfrm>
+            <a:off x="4989652" y="1720058"/>
+            <a:ext cx="2096664" cy="369332"/>
+          </a:xfrm>
+          <a:prstGeom prst="rect">
+            <a:avLst/>
+          </a:prstGeom>
+          <a:noFill/>
+        </p:spPr>
+        <p:txBody>
+          <a:bodyPr wrap="none" rtlCol="0">
+            <a:spAutoFit/>
+          </a:bodyPr>
+          <a:lstStyle/>
+          <a:p>
+            <a:r>
+              <a:rPr lang="ko-KR" altLang="en-US" dirty="0"/>
+              <a:t>글쓰기</a:t>
+            </a:r>
+            <a:r>
+              <a:rPr lang="en-US" altLang="ko-KR" dirty="0"/>
+              <a:t>(</a:t>
+            </a:r>
+            <a:r>
+              <a:rPr lang="en-US" altLang="ko-KR" dirty="0" err="1"/>
+              <a:t>write.page</a:t>
+            </a:r>
+            <a:r>
+              <a:rPr lang="en-US" altLang="ko-KR" dirty="0"/>
+              <a:t>)</a:t>
+            </a:r>
+            <a:endParaRPr lang="ko-KR" altLang="en-US" dirty="0"/>
+          </a:p>
+        </p:txBody>
+      </p:sp>
+      <p:sp>
+        <p:nvSpPr>
+          <p:cNvPr id="18" name="TextBox 17">
+            <a:extLst>
+              <a:ext uri="{FF2B5EF4-FFF2-40B4-BE49-F238E27FC236}">
+                <a16:creationId xmlns:a16="http://schemas.microsoft.com/office/drawing/2014/main" id="{A38A4376-B371-5472-D77E-3CE8DAF6116C}"/>
+              </a:ext>
+            </a:extLst>
+          </p:cNvPr>
+          <p:cNvSpPr txBox="1"/>
+          <p:nvPr/>
+        </p:nvSpPr>
+        <p:spPr>
+          <a:xfrm>
+            <a:off x="5179864" y="3436629"/>
+            <a:ext cx="3658374" cy="369332"/>
+          </a:xfrm>
+          <a:prstGeom prst="rect">
+            <a:avLst/>
+          </a:prstGeom>
+          <a:noFill/>
+        </p:spPr>
+        <p:txBody>
+          <a:bodyPr wrap="none" rtlCol="0">
+            <a:spAutoFit/>
+          </a:bodyPr>
+          <a:lstStyle/>
+          <a:p>
+            <a:r>
+              <a:rPr lang="ko-KR" altLang="en-US" dirty="0"/>
+              <a:t>상세보기</a:t>
+            </a:r>
+            <a:r>
+              <a:rPr lang="en-US" altLang="ko-KR" dirty="0"/>
+              <a:t>(</a:t>
+            </a:r>
+            <a:r>
+              <a:rPr lang="en-US" altLang="ko-KR" dirty="0" err="1"/>
+              <a:t>detail.do?blogListNo</a:t>
+            </a:r>
+            <a:r>
+              <a:rPr lang="en-US" altLang="ko-KR" dirty="0"/>
+              <a:t>=?)</a:t>
+            </a:r>
+            <a:endParaRPr lang="ko-KR" altLang="en-US" dirty="0"/>
+          </a:p>
+        </p:txBody>
+      </p:sp>
     </p:spTree>
     <p:extLst>
       <p:ext uri="{BB962C8B-B14F-4D97-AF65-F5344CB8AC3E}">
@@ -5611,10 +5908,10 @@
       </p:grpSpPr>
       <p:sp>
         <p:nvSpPr>
-          <p:cNvPr id="8" name="TextBox 7">
-            <a:extLst>
-              <a:ext uri="{FF2B5EF4-FFF2-40B4-BE49-F238E27FC236}">
-                <a16:creationId xmlns:a16="http://schemas.microsoft.com/office/drawing/2014/main" id="{643FE0AE-855C-F1F9-050D-43C7FCDF0E26}"/>
+          <p:cNvPr id="2" name="TextBox 1">
+            <a:extLst>
+              <a:ext uri="{FF2B5EF4-FFF2-40B4-BE49-F238E27FC236}">
+                <a16:creationId xmlns:a16="http://schemas.microsoft.com/office/drawing/2014/main" id="{D9F72988-F10E-21F1-511F-0644F8971EC2}"/>
               </a:ext>
             </a:extLst>
           </p:cNvPr>
@@ -5623,8 +5920,8 @@
         </p:nvSpPr>
         <p:spPr>
           <a:xfrm>
-            <a:off x="146304" y="58522"/>
-            <a:ext cx="646331" cy="369332"/>
+            <a:off x="431597" y="219456"/>
+            <a:ext cx="3941015" cy="369332"/>
           </a:xfrm>
           <a:prstGeom prst="rect">
             <a:avLst/>
@@ -5639,17 +5936,30 @@
           <a:p>
             <a:r>
               <a:rPr lang="ko-KR" altLang="en-US" dirty="0"/>
-              <a:t>검색</a:t>
-            </a:r>
+              <a:t>프로필편집 </a:t>
+            </a:r>
+            <a:r>
+              <a:rPr lang="en-US" altLang="ko-KR" dirty="0"/>
+              <a:t>(profile.do? – </a:t>
+            </a:r>
+            <a:r>
+              <a:rPr lang="en-US" altLang="ko-KR" dirty="0" err="1"/>
+              <a:t>profile.jsp</a:t>
+            </a:r>
+            <a:r>
+              <a:rPr lang="en-US" altLang="ko-KR" dirty="0"/>
+              <a:t>)</a:t>
+            </a:r>
+            <a:endParaRPr lang="ko-KR" altLang="en-US" dirty="0"/>
           </a:p>
         </p:txBody>
       </p:sp>
       <p:pic>
         <p:nvPicPr>
-          <p:cNvPr id="2052" name="Picture 4">
-            <a:extLst>
-              <a:ext uri="{FF2B5EF4-FFF2-40B4-BE49-F238E27FC236}">
-                <a16:creationId xmlns:a16="http://schemas.microsoft.com/office/drawing/2014/main" id="{286C5F0E-075D-CA09-DA66-C3431AC40244}"/>
+          <p:cNvPr id="8194" name="Picture 2">
+            <a:extLst>
+              <a:ext uri="{FF2B5EF4-FFF2-40B4-BE49-F238E27FC236}">
+                <a16:creationId xmlns:a16="http://schemas.microsoft.com/office/drawing/2014/main" id="{6B4950FD-8183-AB8A-D6F4-D6C0D13DBBD2}"/>
               </a:ext>
             </a:extLst>
           </p:cNvPr>
@@ -5658,7 +5968,7 @@
           </p:cNvPicPr>
           <p:nvPr/>
         </p:nvPicPr>
-        <p:blipFill rotWithShape="1">
+        <p:blipFill>
           <a:blip r:embed="rId2">
             <a:extLst>
               <a:ext uri="{28A0092B-C50C-407E-A947-70E740481C1C}">
@@ -5666,23 +5976,20 @@
               </a:ext>
             </a:extLst>
           </a:blip>
-          <a:srcRect b="32117"/>
-          <a:stretch/>
+          <a:srcRect/>
+          <a:stretch>
+            <a:fillRect/>
+          </a:stretch>
         </p:blipFill>
         <p:spPr bwMode="auto">
           <a:xfrm>
-            <a:off x="0" y="714146"/>
-            <a:ext cx="5811466" cy="369332"/>
+            <a:off x="299923" y="828817"/>
+            <a:ext cx="8794814" cy="4395116"/>
           </a:xfrm>
           <a:prstGeom prst="rect">
             <a:avLst/>
           </a:prstGeom>
           <a:noFill/>
-          <a:ln w="38100">
-            <a:solidFill>
-              <a:srgbClr val="FF0000"/>
-            </a:solidFill>
-          </a:ln>
           <a:extLst>
             <a:ext uri="{909E8E84-426E-40DD-AFC4-6F175D3DCCD1}">
               <a14:hiddenFill xmlns:a14="http://schemas.microsoft.com/office/drawing/2010/main">
@@ -5694,167 +6001,12 @@
           </a:extLst>
         </p:spPr>
       </p:pic>
-      <p:pic>
-        <p:nvPicPr>
-          <p:cNvPr id="2054" name="Picture 6">
-            <a:extLst>
-              <a:ext uri="{FF2B5EF4-FFF2-40B4-BE49-F238E27FC236}">
-                <a16:creationId xmlns:a16="http://schemas.microsoft.com/office/drawing/2014/main" id="{56D025CC-06A3-909C-0AC2-9FE0C2616C98}"/>
-              </a:ext>
-            </a:extLst>
-          </p:cNvPr>
-          <p:cNvPicPr>
-            <a:picLocks noChangeAspect="1" noChangeArrowheads="1"/>
-          </p:cNvPicPr>
-          <p:nvPr/>
-        </p:nvPicPr>
-        <p:blipFill rotWithShape="1">
-          <a:blip r:embed="rId3">
-            <a:extLst>
-              <a:ext uri="{28A0092B-C50C-407E-A947-70E740481C1C}">
-                <a14:useLocalDpi xmlns:a14="http://schemas.microsoft.com/office/drawing/2010/main" val="0"/>
-              </a:ext>
-            </a:extLst>
-          </a:blip>
-          <a:srcRect t="-114"/>
-          <a:stretch/>
-        </p:blipFill>
-        <p:spPr bwMode="auto">
-          <a:xfrm>
-            <a:off x="234087" y="1433780"/>
-            <a:ext cx="5025542" cy="5242398"/>
-          </a:xfrm>
-          <a:prstGeom prst="rect">
-            <a:avLst/>
-          </a:prstGeom>
-          <a:noFill/>
-          <a:ln w="38100">
-            <a:solidFill>
-              <a:srgbClr val="0070C0"/>
-            </a:solidFill>
-          </a:ln>
-          <a:extLst>
-            <a:ext uri="{909E8E84-426E-40DD-AFC4-6F175D3DCCD1}">
-              <a14:hiddenFill xmlns:a14="http://schemas.microsoft.com/office/drawing/2010/main">
-                <a:solidFill>
-                  <a:srgbClr val="FFFFFF"/>
-                </a:solidFill>
-              </a14:hiddenFill>
-            </a:ext>
-          </a:extLst>
-        </p:spPr>
-      </p:pic>
-      <p:sp>
-        <p:nvSpPr>
-          <p:cNvPr id="2" name="화살표: 아래쪽 1">
-            <a:extLst>
-              <a:ext uri="{FF2B5EF4-FFF2-40B4-BE49-F238E27FC236}">
-                <a16:creationId xmlns:a16="http://schemas.microsoft.com/office/drawing/2014/main" id="{CC6F7981-2379-48DA-7EF5-067B34268E39}"/>
-              </a:ext>
-            </a:extLst>
-          </p:cNvPr>
-          <p:cNvSpPr/>
-          <p:nvPr/>
-        </p:nvSpPr>
-        <p:spPr>
-          <a:xfrm>
-            <a:off x="3108960" y="1258214"/>
-            <a:ext cx="343814" cy="544068"/>
-          </a:xfrm>
-          <a:prstGeom prst="downArrow">
-            <a:avLst/>
-          </a:prstGeom>
-        </p:spPr>
-        <p:style>
-          <a:lnRef idx="2">
-            <a:schemeClr val="accent1">
-              <a:shade val="15000"/>
-            </a:schemeClr>
-          </a:lnRef>
-          <a:fillRef idx="1">
-            <a:schemeClr val="accent1"/>
-          </a:fillRef>
-          <a:effectRef idx="0">
-            <a:schemeClr val="accent1"/>
-          </a:effectRef>
-          <a:fontRef idx="minor">
-            <a:schemeClr val="lt1"/>
-          </a:fontRef>
-        </p:style>
-        <p:txBody>
-          <a:bodyPr rtlCol="0" anchor="ctr"/>
-          <a:lstStyle/>
-          <a:p>
-            <a:pPr algn="ctr"/>
-            <a:endParaRPr lang="ko-KR" altLang="en-US"/>
-          </a:p>
-        </p:txBody>
-      </p:sp>
-      <p:sp>
-        <p:nvSpPr>
-          <p:cNvPr id="3" name="직사각형 2">
-            <a:extLst>
-              <a:ext uri="{FF2B5EF4-FFF2-40B4-BE49-F238E27FC236}">
-                <a16:creationId xmlns:a16="http://schemas.microsoft.com/office/drawing/2014/main" id="{104B36EB-CCFA-D1FE-4EDD-D5C4BA84E6A3}"/>
-              </a:ext>
-            </a:extLst>
-          </p:cNvPr>
-          <p:cNvSpPr/>
-          <p:nvPr/>
-        </p:nvSpPr>
-        <p:spPr>
-          <a:xfrm>
-            <a:off x="600048" y="800897"/>
-            <a:ext cx="731318" cy="282581"/>
-          </a:xfrm>
-          <a:prstGeom prst="rect">
-            <a:avLst/>
-          </a:prstGeom>
-          <a:solidFill>
-            <a:schemeClr val="bg1"/>
-          </a:solidFill>
-          <a:ln>
-            <a:noFill/>
-          </a:ln>
-        </p:spPr>
-        <p:style>
-          <a:lnRef idx="2">
-            <a:schemeClr val="accent1">
-              <a:shade val="15000"/>
-            </a:schemeClr>
-          </a:lnRef>
-          <a:fillRef idx="1">
-            <a:schemeClr val="accent1"/>
-          </a:fillRef>
-          <a:effectRef idx="0">
-            <a:schemeClr val="accent1"/>
-          </a:effectRef>
-          <a:fontRef idx="minor">
-            <a:schemeClr val="lt1"/>
-          </a:fontRef>
-        </p:style>
-        <p:txBody>
-          <a:bodyPr rtlCol="0" anchor="ctr"/>
-          <a:lstStyle/>
-          <a:p>
-            <a:pPr algn="ctr"/>
-            <a:r>
-              <a:rPr lang="ko-KR" altLang="en-US" sz="700" dirty="0">
-                <a:solidFill>
-                  <a:schemeClr val="tx1"/>
-                </a:solidFill>
-              </a:rPr>
-              <a:t>▼선택하세요</a:t>
-            </a:r>
-          </a:p>
-        </p:txBody>
-      </p:sp>
       <p:sp>
         <p:nvSpPr>
           <p:cNvPr id="4" name="TextBox 3">
             <a:extLst>
               <a:ext uri="{FF2B5EF4-FFF2-40B4-BE49-F238E27FC236}">
-                <a16:creationId xmlns:a16="http://schemas.microsoft.com/office/drawing/2014/main" id="{0AFD0ADF-A1B8-A416-78FE-9AEB505F8AB2}"/>
+                <a16:creationId xmlns:a16="http://schemas.microsoft.com/office/drawing/2014/main" id="{20176EE8-7889-6234-DD36-11DE4C65C984}"/>
               </a:ext>
             </a:extLst>
           </p:cNvPr>
@@ -5863,8 +6015,8 @@
         </p:nvSpPr>
         <p:spPr>
           <a:xfrm>
-            <a:off x="6275222" y="952245"/>
-            <a:ext cx="2509020" cy="369332"/>
+            <a:off x="4190797" y="2039789"/>
+            <a:ext cx="6274475" cy="646331"/>
           </a:xfrm>
           <a:prstGeom prst="rect">
             <a:avLst/>
@@ -5878,30 +6030,53 @@
           <a:lstStyle/>
           <a:p>
             <a:r>
+              <a:rPr lang="ko-KR" altLang="en-US" dirty="0" err="1"/>
+              <a:t>작가명</a:t>
+            </a:r>
+            <a:r>
               <a:rPr lang="en-US" altLang="ko-KR" dirty="0"/>
-              <a:t>Select -&gt; </a:t>
+              <a:t>=DB </a:t>
+            </a:r>
+            <a:r>
+              <a:rPr lang="ko-KR" altLang="en-US" dirty="0"/>
+              <a:t>에서 </a:t>
+            </a:r>
+            <a:r>
+              <a:rPr lang="en-US" altLang="ko-KR" dirty="0"/>
+              <a:t>NICKNAME</a:t>
+            </a:r>
+          </a:p>
+          <a:p>
+            <a:r>
+              <a:rPr lang="en-US" altLang="ko-KR" dirty="0"/>
+              <a:t>(</a:t>
+            </a:r>
+            <a:r>
+              <a:rPr lang="ko-KR" altLang="en-US" dirty="0"/>
+              <a:t>네이버로그인 시 </a:t>
             </a:r>
             <a:r>
               <a:rPr lang="ko-KR" altLang="en-US" dirty="0" err="1"/>
-              <a:t>글제목</a:t>
+              <a:t>디폴트값은</a:t>
+            </a:r>
+            <a:r>
+              <a:rPr lang="ko-KR" altLang="en-US" dirty="0"/>
+              <a:t> 네이버에서 사용한 별명이다</a:t>
             </a:r>
             <a:r>
               <a:rPr lang="en-US" altLang="ko-KR" dirty="0"/>
-              <a:t>, </a:t>
-            </a:r>
-            <a:r>
-              <a:rPr lang="ko-KR" altLang="en-US" dirty="0"/>
-              <a:t>작가</a:t>
-            </a:r>
-          </a:p>
-        </p:txBody>
-      </p:sp>
-      <p:sp>
-        <p:nvSpPr>
-          <p:cNvPr id="6" name="TextBox 5">
-            <a:extLst>
-              <a:ext uri="{FF2B5EF4-FFF2-40B4-BE49-F238E27FC236}">
-                <a16:creationId xmlns:a16="http://schemas.microsoft.com/office/drawing/2014/main" id="{13BBADD0-048E-D1EC-D0E4-43CDE99D7394}"/>
+              <a:t>)</a:t>
+            </a:r>
+            <a:endParaRPr lang="ko-KR" altLang="en-US" dirty="0"/>
+          </a:p>
+        </p:txBody>
+      </p:sp>
+      <p:sp>
+        <p:nvSpPr>
+          <p:cNvPr id="3" name="TextBox 2">
+            <a:extLst>
+              <a:ext uri="{FF2B5EF4-FFF2-40B4-BE49-F238E27FC236}">
+                <a16:creationId xmlns:a16="http://schemas.microsoft.com/office/drawing/2014/main" id="{C98BD815-273B-8249-FE20-7DA59E89F455}"/>
               </a:ext>
             </a:extLst>
           </p:cNvPr>
@@ -5910,8 +6085,8 @@
         </p:nvSpPr>
         <p:spPr>
           <a:xfrm>
-            <a:off x="2604540" y="715900"/>
-            <a:ext cx="2161169" cy="369332"/>
+            <a:off x="3642157" y="4489820"/>
+            <a:ext cx="5306068" cy="369332"/>
           </a:xfrm>
           <a:prstGeom prst="rect">
             <a:avLst/>
@@ -5925,377 +6100,12 @@
           <a:lstStyle/>
           <a:p>
             <a:r>
+              <a:rPr lang="ko-KR" altLang="en-US" dirty="0"/>
+              <a:t>저장하면 마이페이지로 이동</a:t>
+            </a:r>
+            <a:r>
               <a:rPr lang="en-US" altLang="ko-KR" dirty="0"/>
-              <a:t>1) </a:t>
-            </a:r>
-            <a:r>
-              <a:rPr lang="ko-KR" altLang="en-US" dirty="0"/>
-              <a:t>돋보기 </a:t>
-            </a:r>
-            <a:r>
-              <a:rPr lang="ko-KR" altLang="en-US" dirty="0" err="1"/>
-              <a:t>눌렀을때</a:t>
-            </a:r>
-            <a:endParaRPr lang="ko-KR" altLang="en-US" dirty="0"/>
-          </a:p>
-        </p:txBody>
-      </p:sp>
-      <p:sp>
-        <p:nvSpPr>
-          <p:cNvPr id="7" name="TextBox 6">
-            <a:extLst>
-              <a:ext uri="{FF2B5EF4-FFF2-40B4-BE49-F238E27FC236}">
-                <a16:creationId xmlns:a16="http://schemas.microsoft.com/office/drawing/2014/main" id="{64B933EC-E1A1-3575-B99E-79513073539C}"/>
-              </a:ext>
-            </a:extLst>
-          </p:cNvPr>
-          <p:cNvSpPr txBox="1"/>
-          <p:nvPr/>
-        </p:nvSpPr>
-        <p:spPr>
-          <a:xfrm>
-            <a:off x="2905733" y="1802282"/>
-            <a:ext cx="2340705" cy="369332"/>
-          </a:xfrm>
-          <a:prstGeom prst="rect">
-            <a:avLst/>
-          </a:prstGeom>
-          <a:noFill/>
-        </p:spPr>
-        <p:txBody>
-          <a:bodyPr wrap="none" rtlCol="0">
-            <a:spAutoFit/>
-          </a:bodyPr>
-          <a:lstStyle/>
-          <a:p>
-            <a:r>
-              <a:rPr lang="en-US" altLang="ko-KR" dirty="0"/>
-              <a:t>2)”</a:t>
-            </a:r>
-            <a:r>
-              <a:rPr lang="ko-KR" altLang="en-US" dirty="0"/>
-              <a:t>일러스트</a:t>
-            </a:r>
-            <a:r>
-              <a:rPr lang="en-US" altLang="ko-KR" dirty="0"/>
-              <a:t>”</a:t>
-            </a:r>
-            <a:r>
-              <a:rPr lang="ko-KR" altLang="en-US" dirty="0"/>
-              <a:t> 검색 후</a:t>
-            </a:r>
-          </a:p>
-        </p:txBody>
-      </p:sp>
-      <p:sp>
-        <p:nvSpPr>
-          <p:cNvPr id="9" name="직사각형 8">
-            <a:extLst>
-              <a:ext uri="{FF2B5EF4-FFF2-40B4-BE49-F238E27FC236}">
-                <a16:creationId xmlns:a16="http://schemas.microsoft.com/office/drawing/2014/main" id="{02498C9A-8B0C-5C49-0F90-A420D72E58AD}"/>
-              </a:ext>
-            </a:extLst>
-          </p:cNvPr>
-          <p:cNvSpPr/>
-          <p:nvPr/>
-        </p:nvSpPr>
-        <p:spPr>
-          <a:xfrm>
-            <a:off x="269172" y="1802282"/>
-            <a:ext cx="1735193" cy="506566"/>
-          </a:xfrm>
-          <a:prstGeom prst="rect">
-            <a:avLst/>
-          </a:prstGeom>
-          <a:solidFill>
-            <a:schemeClr val="bg1"/>
-          </a:solidFill>
-          <a:ln>
-            <a:noFill/>
-          </a:ln>
-        </p:spPr>
-        <p:style>
-          <a:lnRef idx="2">
-            <a:schemeClr val="accent1">
-              <a:shade val="15000"/>
-            </a:schemeClr>
-          </a:lnRef>
-          <a:fillRef idx="1">
-            <a:schemeClr val="accent1"/>
-          </a:fillRef>
-          <a:effectRef idx="0">
-            <a:schemeClr val="accent1"/>
-          </a:effectRef>
-          <a:fontRef idx="minor">
-            <a:schemeClr val="lt1"/>
-          </a:fontRef>
-        </p:style>
-        <p:txBody>
-          <a:bodyPr rtlCol="0" anchor="ctr"/>
-          <a:lstStyle/>
-          <a:p>
-            <a:pPr algn="ctr"/>
-            <a:endParaRPr lang="ko-KR" altLang="en-US" sz="700" dirty="0">
-              <a:solidFill>
-                <a:schemeClr val="tx1"/>
-              </a:solidFill>
-            </a:endParaRPr>
-          </a:p>
-        </p:txBody>
-      </p:sp>
-      <p:sp>
-        <p:nvSpPr>
-          <p:cNvPr id="10" name="직사각형 9">
-            <a:extLst>
-              <a:ext uri="{FF2B5EF4-FFF2-40B4-BE49-F238E27FC236}">
-                <a16:creationId xmlns:a16="http://schemas.microsoft.com/office/drawing/2014/main" id="{1C60893F-EE66-F499-22E7-77A581B203D6}"/>
-              </a:ext>
-            </a:extLst>
-          </p:cNvPr>
-          <p:cNvSpPr/>
-          <p:nvPr/>
-        </p:nvSpPr>
-        <p:spPr>
-          <a:xfrm>
-            <a:off x="3246578" y="2186805"/>
-            <a:ext cx="2014533" cy="415072"/>
-          </a:xfrm>
-          <a:prstGeom prst="rect">
-            <a:avLst/>
-          </a:prstGeom>
-          <a:solidFill>
-            <a:schemeClr val="bg1"/>
-          </a:solidFill>
-          <a:ln>
-            <a:noFill/>
-          </a:ln>
-        </p:spPr>
-        <p:style>
-          <a:lnRef idx="2">
-            <a:schemeClr val="accent1">
-              <a:shade val="15000"/>
-            </a:schemeClr>
-          </a:lnRef>
-          <a:fillRef idx="1">
-            <a:schemeClr val="accent1"/>
-          </a:fillRef>
-          <a:effectRef idx="0">
-            <a:schemeClr val="accent1"/>
-          </a:effectRef>
-          <a:fontRef idx="minor">
-            <a:schemeClr val="lt1"/>
-          </a:fontRef>
-        </p:style>
-        <p:txBody>
-          <a:bodyPr rtlCol="0" anchor="ctr"/>
-          <a:lstStyle/>
-          <a:p>
-            <a:pPr algn="ctr"/>
-            <a:r>
-              <a:rPr lang="ko-KR" altLang="en-US" sz="1400" dirty="0">
-                <a:solidFill>
-                  <a:schemeClr val="tx1"/>
-                </a:solidFill>
-              </a:rPr>
-              <a:t>최신</a:t>
-            </a:r>
-            <a:r>
-              <a:rPr lang="en-US" altLang="ko-KR" sz="1400" dirty="0">
-                <a:solidFill>
-                  <a:schemeClr val="tx1"/>
-                </a:solidFill>
-              </a:rPr>
-              <a:t>/</a:t>
-            </a:r>
-            <a:r>
-              <a:rPr lang="ko-KR" altLang="en-US" sz="1400" dirty="0" err="1">
-                <a:solidFill>
-                  <a:schemeClr val="tx1"/>
-                </a:solidFill>
-              </a:rPr>
-              <a:t>오래된순</a:t>
-            </a:r>
-            <a:endParaRPr lang="ko-KR" altLang="en-US" sz="1400" dirty="0">
-              <a:solidFill>
-                <a:schemeClr val="tx1"/>
-              </a:solidFill>
-            </a:endParaRPr>
-          </a:p>
-        </p:txBody>
-      </p:sp>
-      <p:sp>
-        <p:nvSpPr>
-          <p:cNvPr id="11" name="화살표: 아래쪽 10">
-            <a:extLst>
-              <a:ext uri="{FF2B5EF4-FFF2-40B4-BE49-F238E27FC236}">
-                <a16:creationId xmlns:a16="http://schemas.microsoft.com/office/drawing/2014/main" id="{0CA802B1-F290-6938-9241-CA030480EE7F}"/>
-              </a:ext>
-            </a:extLst>
-          </p:cNvPr>
-          <p:cNvSpPr/>
-          <p:nvPr/>
-        </p:nvSpPr>
-        <p:spPr>
-          <a:xfrm rot="16200000">
-            <a:off x="5242255" y="1997035"/>
-            <a:ext cx="343814" cy="794612"/>
-          </a:xfrm>
-          <a:prstGeom prst="downArrow">
-            <a:avLst/>
-          </a:prstGeom>
-          <a:solidFill>
-            <a:srgbClr val="FF0000"/>
-          </a:solidFill>
-          <a:ln>
-            <a:solidFill>
-              <a:srgbClr val="FF0000"/>
-            </a:solidFill>
-          </a:ln>
-        </p:spPr>
-        <p:style>
-          <a:lnRef idx="2">
-            <a:schemeClr val="accent1">
-              <a:shade val="15000"/>
-            </a:schemeClr>
-          </a:lnRef>
-          <a:fillRef idx="1">
-            <a:schemeClr val="accent1"/>
-          </a:fillRef>
-          <a:effectRef idx="0">
-            <a:schemeClr val="accent1"/>
-          </a:effectRef>
-          <a:fontRef idx="minor">
-            <a:schemeClr val="lt1"/>
-          </a:fontRef>
-        </p:style>
-        <p:txBody>
-          <a:bodyPr rtlCol="0" anchor="ctr"/>
-          <a:lstStyle/>
-          <a:p>
-            <a:pPr algn="ctr"/>
-            <a:endParaRPr lang="ko-KR" altLang="en-US"/>
-          </a:p>
-        </p:txBody>
-      </p:sp>
-      <p:sp>
-        <p:nvSpPr>
-          <p:cNvPr id="13" name="TextBox 12">
-            <a:extLst>
-              <a:ext uri="{FF2B5EF4-FFF2-40B4-BE49-F238E27FC236}">
-                <a16:creationId xmlns:a16="http://schemas.microsoft.com/office/drawing/2014/main" id="{C71C65CC-B3CD-1A4B-B228-C968F50308C3}"/>
-              </a:ext>
-            </a:extLst>
-          </p:cNvPr>
-          <p:cNvSpPr txBox="1"/>
-          <p:nvPr/>
-        </p:nvSpPr>
-        <p:spPr>
-          <a:xfrm>
-            <a:off x="5846456" y="2196916"/>
-            <a:ext cx="1851789" cy="369332"/>
-          </a:xfrm>
-          <a:prstGeom prst="rect">
-            <a:avLst/>
-          </a:prstGeom>
-          <a:noFill/>
-        </p:spPr>
-        <p:txBody>
-          <a:bodyPr wrap="none" rtlCol="0">
-            <a:spAutoFit/>
-          </a:bodyPr>
-          <a:lstStyle/>
-          <a:p>
-            <a:r>
-              <a:rPr lang="en-US" altLang="ko-KR" dirty="0"/>
-              <a:t>Html </a:t>
-            </a:r>
-            <a:r>
-              <a:rPr lang="ko-KR" altLang="en-US" dirty="0"/>
-              <a:t>에서 </a:t>
-            </a:r>
-            <a:r>
-              <a:rPr lang="en-US" altLang="ko-KR" dirty="0"/>
-              <a:t>radio</a:t>
-            </a:r>
-            <a:endParaRPr lang="ko-KR" altLang="en-US" dirty="0"/>
-          </a:p>
-        </p:txBody>
-      </p:sp>
-      <p:sp>
-        <p:nvSpPr>
-          <p:cNvPr id="15" name="TextBox 14">
-            <a:extLst>
-              <a:ext uri="{FF2B5EF4-FFF2-40B4-BE49-F238E27FC236}">
-                <a16:creationId xmlns:a16="http://schemas.microsoft.com/office/drawing/2014/main" id="{E15A24E1-F17E-4593-0881-AF889CB4AE70}"/>
-              </a:ext>
-            </a:extLst>
-          </p:cNvPr>
-          <p:cNvSpPr txBox="1"/>
-          <p:nvPr/>
-        </p:nvSpPr>
-        <p:spPr>
-          <a:xfrm>
-            <a:off x="379251" y="2439000"/>
-            <a:ext cx="2225289" cy="369332"/>
-          </a:xfrm>
-          <a:prstGeom prst="rect">
-            <a:avLst/>
-          </a:prstGeom>
-          <a:noFill/>
-        </p:spPr>
-        <p:txBody>
-          <a:bodyPr wrap="none" rtlCol="0">
-            <a:spAutoFit/>
-          </a:bodyPr>
-          <a:lstStyle/>
-          <a:p>
-            <a:r>
-              <a:rPr lang="ko-KR" altLang="en-US" dirty="0" err="1"/>
-              <a:t>ㄴ</a:t>
-            </a:r>
-            <a:r>
-              <a:rPr lang="en-US" altLang="ko-KR" dirty="0"/>
-              <a:t>select count </a:t>
-            </a:r>
-            <a:r>
-              <a:rPr lang="ko-KR" altLang="en-US" dirty="0" err="1"/>
-              <a:t>쓸것</a:t>
-            </a:r>
-            <a:endParaRPr lang="ko-KR" altLang="en-US" dirty="0"/>
-          </a:p>
-        </p:txBody>
-      </p:sp>
-      <p:sp>
-        <p:nvSpPr>
-          <p:cNvPr id="16" name="TextBox 15">
-            <a:extLst>
-              <a:ext uri="{FF2B5EF4-FFF2-40B4-BE49-F238E27FC236}">
-                <a16:creationId xmlns:a16="http://schemas.microsoft.com/office/drawing/2014/main" id="{02585DD5-0A74-ACF6-1620-6310DE27DAAB}"/>
-              </a:ext>
-            </a:extLst>
-          </p:cNvPr>
-          <p:cNvSpPr txBox="1"/>
-          <p:nvPr/>
-        </p:nvSpPr>
-        <p:spPr>
-          <a:xfrm>
-            <a:off x="6446143" y="3244334"/>
-            <a:ext cx="1338828" cy="369332"/>
-          </a:xfrm>
-          <a:prstGeom prst="rect">
-            <a:avLst/>
-          </a:prstGeom>
-          <a:noFill/>
-        </p:spPr>
-        <p:txBody>
-          <a:bodyPr wrap="none" rtlCol="0">
-            <a:spAutoFit/>
-          </a:bodyPr>
-          <a:lstStyle/>
-          <a:p>
-            <a:r>
-              <a:rPr lang="ko-KR" altLang="en-US" dirty="0" err="1"/>
-              <a:t>무한스크롤</a:t>
+              <a:t>(mypage.do-redirect)</a:t>
             </a:r>
             <a:endParaRPr lang="ko-KR" altLang="en-US" dirty="0"/>
           </a:p>
@@ -6304,7 +6114,7 @@
     </p:spTree>
     <p:extLst>
       <p:ext uri="{BB962C8B-B14F-4D97-AF65-F5344CB8AC3E}">
-        <p14:creationId xmlns:p14="http://schemas.microsoft.com/office/powerpoint/2010/main" val="2389577814"/>
+        <p14:creationId xmlns:p14="http://schemas.microsoft.com/office/powerpoint/2010/main" val="178378869"/>
       </p:ext>
     </p:extLst>
   </p:cSld>
@@ -6346,7 +6156,7 @@
         <p:spPr>
           <a:xfrm>
             <a:off x="146304" y="58522"/>
-            <a:ext cx="646331" cy="369332"/>
+            <a:ext cx="728084" cy="369332"/>
           </a:xfrm>
           <a:prstGeom prst="rect">
             <a:avLst/>
@@ -6361,8 +6171,835 @@
           <a:p>
             <a:r>
               <a:rPr lang="ko-KR" altLang="en-US" dirty="0"/>
+              <a:t>검색 </a:t>
+            </a:r>
+          </a:p>
+        </p:txBody>
+      </p:sp>
+      <p:pic>
+        <p:nvPicPr>
+          <p:cNvPr id="2052" name="Picture 4">
+            <a:extLst>
+              <a:ext uri="{FF2B5EF4-FFF2-40B4-BE49-F238E27FC236}">
+                <a16:creationId xmlns:a16="http://schemas.microsoft.com/office/drawing/2014/main" id="{286C5F0E-075D-CA09-DA66-C3431AC40244}"/>
+              </a:ext>
+            </a:extLst>
+          </p:cNvPr>
+          <p:cNvPicPr>
+            <a:picLocks noChangeAspect="1" noChangeArrowheads="1"/>
+          </p:cNvPicPr>
+          <p:nvPr/>
+        </p:nvPicPr>
+        <p:blipFill rotWithShape="1">
+          <a:blip r:embed="rId2">
+            <a:extLst>
+              <a:ext uri="{28A0092B-C50C-407E-A947-70E740481C1C}">
+                <a14:useLocalDpi xmlns:a14="http://schemas.microsoft.com/office/drawing/2010/main" val="0"/>
+              </a:ext>
+            </a:extLst>
+          </a:blip>
+          <a:srcRect b="32117"/>
+          <a:stretch/>
+        </p:blipFill>
+        <p:spPr bwMode="auto">
+          <a:xfrm>
+            <a:off x="0" y="714146"/>
+            <a:ext cx="5811466" cy="369332"/>
+          </a:xfrm>
+          <a:prstGeom prst="rect">
+            <a:avLst/>
+          </a:prstGeom>
+          <a:noFill/>
+          <a:ln w="38100">
+            <a:solidFill>
+              <a:srgbClr val="FF0000"/>
+            </a:solidFill>
+          </a:ln>
+          <a:extLst>
+            <a:ext uri="{909E8E84-426E-40DD-AFC4-6F175D3DCCD1}">
+              <a14:hiddenFill xmlns:a14="http://schemas.microsoft.com/office/drawing/2010/main">
+                <a:solidFill>
+                  <a:srgbClr val="FFFFFF"/>
+                </a:solidFill>
+              </a14:hiddenFill>
+            </a:ext>
+          </a:extLst>
+        </p:spPr>
+      </p:pic>
+      <p:pic>
+        <p:nvPicPr>
+          <p:cNvPr id="2054" name="Picture 6">
+            <a:extLst>
+              <a:ext uri="{FF2B5EF4-FFF2-40B4-BE49-F238E27FC236}">
+                <a16:creationId xmlns:a16="http://schemas.microsoft.com/office/drawing/2014/main" id="{56D025CC-06A3-909C-0AC2-9FE0C2616C98}"/>
+              </a:ext>
+            </a:extLst>
+          </p:cNvPr>
+          <p:cNvPicPr>
+            <a:picLocks noChangeAspect="1" noChangeArrowheads="1"/>
+          </p:cNvPicPr>
+          <p:nvPr/>
+        </p:nvPicPr>
+        <p:blipFill rotWithShape="1">
+          <a:blip r:embed="rId3">
+            <a:extLst>
+              <a:ext uri="{28A0092B-C50C-407E-A947-70E740481C1C}">
+                <a14:useLocalDpi xmlns:a14="http://schemas.microsoft.com/office/drawing/2010/main" val="0"/>
+              </a:ext>
+            </a:extLst>
+          </a:blip>
+          <a:srcRect t="-114"/>
+          <a:stretch/>
+        </p:blipFill>
+        <p:spPr bwMode="auto">
+          <a:xfrm>
+            <a:off x="234087" y="1433780"/>
+            <a:ext cx="5025542" cy="5242398"/>
+          </a:xfrm>
+          <a:prstGeom prst="rect">
+            <a:avLst/>
+          </a:prstGeom>
+          <a:noFill/>
+          <a:ln w="38100">
+            <a:solidFill>
+              <a:srgbClr val="0070C0"/>
+            </a:solidFill>
+          </a:ln>
+          <a:extLst>
+            <a:ext uri="{909E8E84-426E-40DD-AFC4-6F175D3DCCD1}">
+              <a14:hiddenFill xmlns:a14="http://schemas.microsoft.com/office/drawing/2010/main">
+                <a:solidFill>
+                  <a:srgbClr val="FFFFFF"/>
+                </a:solidFill>
+              </a14:hiddenFill>
+            </a:ext>
+          </a:extLst>
+        </p:spPr>
+      </p:pic>
+      <p:sp>
+        <p:nvSpPr>
+          <p:cNvPr id="2" name="화살표: 아래쪽 1">
+            <a:extLst>
+              <a:ext uri="{FF2B5EF4-FFF2-40B4-BE49-F238E27FC236}">
+                <a16:creationId xmlns:a16="http://schemas.microsoft.com/office/drawing/2014/main" id="{CC6F7981-2379-48DA-7EF5-067B34268E39}"/>
+              </a:ext>
+            </a:extLst>
+          </p:cNvPr>
+          <p:cNvSpPr/>
+          <p:nvPr/>
+        </p:nvSpPr>
+        <p:spPr>
+          <a:xfrm>
+            <a:off x="3108960" y="1258214"/>
+            <a:ext cx="343814" cy="544068"/>
+          </a:xfrm>
+          <a:prstGeom prst="downArrow">
+            <a:avLst/>
+          </a:prstGeom>
+        </p:spPr>
+        <p:style>
+          <a:lnRef idx="2">
+            <a:schemeClr val="accent1">
+              <a:shade val="15000"/>
+            </a:schemeClr>
+          </a:lnRef>
+          <a:fillRef idx="1">
+            <a:schemeClr val="accent1"/>
+          </a:fillRef>
+          <a:effectRef idx="0">
+            <a:schemeClr val="accent1"/>
+          </a:effectRef>
+          <a:fontRef idx="minor">
+            <a:schemeClr val="lt1"/>
+          </a:fontRef>
+        </p:style>
+        <p:txBody>
+          <a:bodyPr rtlCol="0" anchor="ctr"/>
+          <a:lstStyle/>
+          <a:p>
+            <a:pPr algn="ctr"/>
+            <a:endParaRPr lang="ko-KR" altLang="en-US"/>
+          </a:p>
+        </p:txBody>
+      </p:sp>
+      <p:sp>
+        <p:nvSpPr>
+          <p:cNvPr id="3" name="직사각형 2">
+            <a:extLst>
+              <a:ext uri="{FF2B5EF4-FFF2-40B4-BE49-F238E27FC236}">
+                <a16:creationId xmlns:a16="http://schemas.microsoft.com/office/drawing/2014/main" id="{104B36EB-CCFA-D1FE-4EDD-D5C4BA84E6A3}"/>
+              </a:ext>
+            </a:extLst>
+          </p:cNvPr>
+          <p:cNvSpPr/>
+          <p:nvPr/>
+        </p:nvSpPr>
+        <p:spPr>
+          <a:xfrm>
+            <a:off x="600048" y="800897"/>
+            <a:ext cx="731318" cy="282581"/>
+          </a:xfrm>
+          <a:prstGeom prst="rect">
+            <a:avLst/>
+          </a:prstGeom>
+          <a:solidFill>
+            <a:schemeClr val="bg1"/>
+          </a:solidFill>
+          <a:ln>
+            <a:noFill/>
+          </a:ln>
+        </p:spPr>
+        <p:style>
+          <a:lnRef idx="2">
+            <a:schemeClr val="accent1">
+              <a:shade val="15000"/>
+            </a:schemeClr>
+          </a:lnRef>
+          <a:fillRef idx="1">
+            <a:schemeClr val="accent1"/>
+          </a:fillRef>
+          <a:effectRef idx="0">
+            <a:schemeClr val="accent1"/>
+          </a:effectRef>
+          <a:fontRef idx="minor">
+            <a:schemeClr val="lt1"/>
+          </a:fontRef>
+        </p:style>
+        <p:txBody>
+          <a:bodyPr rtlCol="0" anchor="ctr"/>
+          <a:lstStyle/>
+          <a:p>
+            <a:pPr algn="ctr"/>
+            <a:r>
+              <a:rPr lang="ko-KR" altLang="en-US" sz="700" dirty="0">
+                <a:solidFill>
+                  <a:schemeClr val="tx1"/>
+                </a:solidFill>
+              </a:rPr>
+              <a:t>▼선택하세요</a:t>
+            </a:r>
+          </a:p>
+        </p:txBody>
+      </p:sp>
+      <p:sp>
+        <p:nvSpPr>
+          <p:cNvPr id="4" name="TextBox 3">
+            <a:extLst>
+              <a:ext uri="{FF2B5EF4-FFF2-40B4-BE49-F238E27FC236}">
+                <a16:creationId xmlns:a16="http://schemas.microsoft.com/office/drawing/2014/main" id="{0AFD0ADF-A1B8-A416-78FE-9AEB505F8AB2}"/>
+              </a:ext>
+            </a:extLst>
+          </p:cNvPr>
+          <p:cNvSpPr txBox="1"/>
+          <p:nvPr/>
+        </p:nvSpPr>
+        <p:spPr>
+          <a:xfrm>
+            <a:off x="600048" y="354329"/>
+            <a:ext cx="2509020" cy="369332"/>
+          </a:xfrm>
+          <a:prstGeom prst="rect">
+            <a:avLst/>
+          </a:prstGeom>
+          <a:noFill/>
+        </p:spPr>
+        <p:txBody>
+          <a:bodyPr wrap="none" rtlCol="0">
+            <a:spAutoFit/>
+          </a:bodyPr>
+          <a:lstStyle/>
+          <a:p>
+            <a:r>
+              <a:rPr lang="en-US" altLang="ko-KR" dirty="0"/>
+              <a:t>Select -&gt; </a:t>
+            </a:r>
+            <a:r>
+              <a:rPr lang="ko-KR" altLang="en-US" dirty="0" err="1"/>
+              <a:t>글제목</a:t>
+            </a:r>
+            <a:r>
+              <a:rPr lang="en-US" altLang="ko-KR" dirty="0"/>
+              <a:t>, </a:t>
+            </a:r>
+            <a:r>
+              <a:rPr lang="ko-KR" altLang="en-US" dirty="0"/>
+              <a:t>작가</a:t>
+            </a:r>
+          </a:p>
+        </p:txBody>
+      </p:sp>
+      <p:sp>
+        <p:nvSpPr>
+          <p:cNvPr id="6" name="TextBox 5">
+            <a:extLst>
+              <a:ext uri="{FF2B5EF4-FFF2-40B4-BE49-F238E27FC236}">
+                <a16:creationId xmlns:a16="http://schemas.microsoft.com/office/drawing/2014/main" id="{13BBADD0-048E-D1EC-D0E4-43CDE99D7394}"/>
+              </a:ext>
+            </a:extLst>
+          </p:cNvPr>
+          <p:cNvSpPr txBox="1"/>
+          <p:nvPr/>
+        </p:nvSpPr>
+        <p:spPr>
+          <a:xfrm>
+            <a:off x="2335963" y="714146"/>
+            <a:ext cx="4847609" cy="369332"/>
+          </a:xfrm>
+          <a:prstGeom prst="rect">
+            <a:avLst/>
+          </a:prstGeom>
+          <a:noFill/>
+        </p:spPr>
+        <p:txBody>
+          <a:bodyPr wrap="none" rtlCol="0">
+            <a:spAutoFit/>
+          </a:bodyPr>
+          <a:lstStyle/>
+          <a:p>
+            <a:r>
+              <a:rPr lang="en-US" altLang="ko-KR" dirty="0"/>
+              <a:t>1) </a:t>
+            </a:r>
+            <a:r>
+              <a:rPr lang="ko-KR" altLang="en-US" dirty="0"/>
+              <a:t>돋보기 </a:t>
+            </a:r>
+            <a:r>
+              <a:rPr lang="ko-KR" altLang="en-US" dirty="0" err="1"/>
+              <a:t>눌렀을때</a:t>
+            </a:r>
+            <a:r>
+              <a:rPr lang="ko-KR" altLang="en-US" dirty="0"/>
+              <a:t> </a:t>
+            </a:r>
+            <a:r>
+              <a:rPr lang="en-US" altLang="ko-KR" dirty="0" err="1"/>
+              <a:t>search.page</a:t>
+            </a:r>
+            <a:r>
+              <a:rPr lang="en-US" altLang="ko-KR" dirty="0"/>
+              <a:t> – search. </a:t>
+            </a:r>
+            <a:r>
+              <a:rPr lang="en-US" altLang="ko-KR" dirty="0" err="1"/>
+              <a:t>jsp</a:t>
+            </a:r>
+            <a:endParaRPr lang="ko-KR" altLang="en-US" dirty="0"/>
+          </a:p>
+        </p:txBody>
+      </p:sp>
+      <p:sp>
+        <p:nvSpPr>
+          <p:cNvPr id="7" name="TextBox 6">
+            <a:extLst>
+              <a:ext uri="{FF2B5EF4-FFF2-40B4-BE49-F238E27FC236}">
+                <a16:creationId xmlns:a16="http://schemas.microsoft.com/office/drawing/2014/main" id="{64B933EC-E1A1-3575-B99E-79513073539C}"/>
+              </a:ext>
+            </a:extLst>
+          </p:cNvPr>
+          <p:cNvSpPr txBox="1"/>
+          <p:nvPr/>
+        </p:nvSpPr>
+        <p:spPr>
+          <a:xfrm>
+            <a:off x="3034696" y="1802282"/>
+            <a:ext cx="4666599" cy="369332"/>
+          </a:xfrm>
+          <a:prstGeom prst="rect">
+            <a:avLst/>
+          </a:prstGeom>
+          <a:noFill/>
+        </p:spPr>
+        <p:txBody>
+          <a:bodyPr wrap="none" rtlCol="0">
+            <a:spAutoFit/>
+          </a:bodyPr>
+          <a:lstStyle/>
+          <a:p>
+            <a:r>
+              <a:rPr lang="en-US" altLang="ko-KR" dirty="0"/>
+              <a:t>2)”</a:t>
+            </a:r>
+            <a:r>
+              <a:rPr lang="ko-KR" altLang="en-US" dirty="0"/>
+              <a:t>일러스트</a:t>
+            </a:r>
+            <a:r>
+              <a:rPr lang="en-US" altLang="ko-KR" dirty="0"/>
+              <a:t>”</a:t>
+            </a:r>
+            <a:r>
+              <a:rPr lang="ko-KR" altLang="en-US" dirty="0"/>
+              <a:t> 검색 후 </a:t>
+            </a:r>
+            <a:r>
+              <a:rPr lang="en-US" altLang="ko-KR" dirty="0" err="1"/>
+              <a:t>search.do?seach</a:t>
+            </a:r>
+            <a:r>
+              <a:rPr lang="ko-KR" altLang="en-US" dirty="0"/>
+              <a:t>값</a:t>
+            </a:r>
+            <a:r>
+              <a:rPr lang="en-US" altLang="ko-KR" dirty="0"/>
+              <a:t>=…</a:t>
+            </a:r>
+            <a:endParaRPr lang="ko-KR" altLang="en-US" dirty="0"/>
+          </a:p>
+        </p:txBody>
+      </p:sp>
+      <p:sp>
+        <p:nvSpPr>
+          <p:cNvPr id="9" name="직사각형 8">
+            <a:extLst>
+              <a:ext uri="{FF2B5EF4-FFF2-40B4-BE49-F238E27FC236}">
+                <a16:creationId xmlns:a16="http://schemas.microsoft.com/office/drawing/2014/main" id="{02498C9A-8B0C-5C49-0F90-A420D72E58AD}"/>
+              </a:ext>
+            </a:extLst>
+          </p:cNvPr>
+          <p:cNvSpPr/>
+          <p:nvPr/>
+        </p:nvSpPr>
+        <p:spPr>
+          <a:xfrm>
+            <a:off x="269172" y="1802282"/>
+            <a:ext cx="1735193" cy="506566"/>
+          </a:xfrm>
+          <a:prstGeom prst="rect">
+            <a:avLst/>
+          </a:prstGeom>
+          <a:solidFill>
+            <a:schemeClr val="bg1"/>
+          </a:solidFill>
+          <a:ln>
+            <a:noFill/>
+          </a:ln>
+        </p:spPr>
+        <p:style>
+          <a:lnRef idx="2">
+            <a:schemeClr val="accent1">
+              <a:shade val="15000"/>
+            </a:schemeClr>
+          </a:lnRef>
+          <a:fillRef idx="1">
+            <a:schemeClr val="accent1"/>
+          </a:fillRef>
+          <a:effectRef idx="0">
+            <a:schemeClr val="accent1"/>
+          </a:effectRef>
+          <a:fontRef idx="minor">
+            <a:schemeClr val="lt1"/>
+          </a:fontRef>
+        </p:style>
+        <p:txBody>
+          <a:bodyPr rtlCol="0" anchor="ctr"/>
+          <a:lstStyle/>
+          <a:p>
+            <a:pPr algn="ctr"/>
+            <a:endParaRPr lang="ko-KR" altLang="en-US" sz="700" dirty="0">
+              <a:solidFill>
+                <a:schemeClr val="tx1"/>
+              </a:solidFill>
+            </a:endParaRPr>
+          </a:p>
+        </p:txBody>
+      </p:sp>
+      <p:sp>
+        <p:nvSpPr>
+          <p:cNvPr id="10" name="직사각형 9">
+            <a:extLst>
+              <a:ext uri="{FF2B5EF4-FFF2-40B4-BE49-F238E27FC236}">
+                <a16:creationId xmlns:a16="http://schemas.microsoft.com/office/drawing/2014/main" id="{1C60893F-EE66-F499-22E7-77A581B203D6}"/>
+              </a:ext>
+            </a:extLst>
+          </p:cNvPr>
+          <p:cNvSpPr/>
+          <p:nvPr/>
+        </p:nvSpPr>
+        <p:spPr>
+          <a:xfrm>
+            <a:off x="3246578" y="2186805"/>
+            <a:ext cx="2014533" cy="415072"/>
+          </a:xfrm>
+          <a:prstGeom prst="rect">
+            <a:avLst/>
+          </a:prstGeom>
+          <a:solidFill>
+            <a:schemeClr val="bg1"/>
+          </a:solidFill>
+          <a:ln>
+            <a:noFill/>
+          </a:ln>
+        </p:spPr>
+        <p:style>
+          <a:lnRef idx="2">
+            <a:schemeClr val="accent1">
+              <a:shade val="15000"/>
+            </a:schemeClr>
+          </a:lnRef>
+          <a:fillRef idx="1">
+            <a:schemeClr val="accent1"/>
+          </a:fillRef>
+          <a:effectRef idx="0">
+            <a:schemeClr val="accent1"/>
+          </a:effectRef>
+          <a:fontRef idx="minor">
+            <a:schemeClr val="lt1"/>
+          </a:fontRef>
+        </p:style>
+        <p:txBody>
+          <a:bodyPr rtlCol="0" anchor="ctr"/>
+          <a:lstStyle/>
+          <a:p>
+            <a:pPr algn="ctr"/>
+            <a:r>
+              <a:rPr lang="ko-KR" altLang="en-US" sz="1400" dirty="0">
+                <a:solidFill>
+                  <a:schemeClr val="tx1"/>
+                </a:solidFill>
+              </a:rPr>
+              <a:t>최신</a:t>
+            </a:r>
+            <a:r>
+              <a:rPr lang="en-US" altLang="ko-KR" sz="1400" dirty="0">
+                <a:solidFill>
+                  <a:schemeClr val="tx1"/>
+                </a:solidFill>
+              </a:rPr>
+              <a:t>/</a:t>
+            </a:r>
+            <a:r>
+              <a:rPr lang="ko-KR" altLang="en-US" sz="1400" dirty="0" err="1">
+                <a:solidFill>
+                  <a:schemeClr val="tx1"/>
+                </a:solidFill>
+              </a:rPr>
+              <a:t>오래된순</a:t>
+            </a:r>
+            <a:endParaRPr lang="ko-KR" altLang="en-US" sz="1400" dirty="0">
+              <a:solidFill>
+                <a:schemeClr val="tx1"/>
+              </a:solidFill>
+            </a:endParaRPr>
+          </a:p>
+        </p:txBody>
+      </p:sp>
+      <p:sp>
+        <p:nvSpPr>
+          <p:cNvPr id="11" name="화살표: 아래쪽 10">
+            <a:extLst>
+              <a:ext uri="{FF2B5EF4-FFF2-40B4-BE49-F238E27FC236}">
+                <a16:creationId xmlns:a16="http://schemas.microsoft.com/office/drawing/2014/main" id="{0CA802B1-F290-6938-9241-CA030480EE7F}"/>
+              </a:ext>
+            </a:extLst>
+          </p:cNvPr>
+          <p:cNvSpPr/>
+          <p:nvPr/>
+        </p:nvSpPr>
+        <p:spPr>
+          <a:xfrm rot="16200000">
+            <a:off x="5242255" y="1997035"/>
+            <a:ext cx="343814" cy="794612"/>
+          </a:xfrm>
+          <a:prstGeom prst="downArrow">
+            <a:avLst/>
+          </a:prstGeom>
+          <a:solidFill>
+            <a:srgbClr val="FF0000"/>
+          </a:solidFill>
+          <a:ln>
+            <a:solidFill>
+              <a:srgbClr val="FF0000"/>
+            </a:solidFill>
+          </a:ln>
+        </p:spPr>
+        <p:style>
+          <a:lnRef idx="2">
+            <a:schemeClr val="accent1">
+              <a:shade val="15000"/>
+            </a:schemeClr>
+          </a:lnRef>
+          <a:fillRef idx="1">
+            <a:schemeClr val="accent1"/>
+          </a:fillRef>
+          <a:effectRef idx="0">
+            <a:schemeClr val="accent1"/>
+          </a:effectRef>
+          <a:fontRef idx="minor">
+            <a:schemeClr val="lt1"/>
+          </a:fontRef>
+        </p:style>
+        <p:txBody>
+          <a:bodyPr rtlCol="0" anchor="ctr"/>
+          <a:lstStyle/>
+          <a:p>
+            <a:pPr algn="ctr"/>
+            <a:endParaRPr lang="ko-KR" altLang="en-US"/>
+          </a:p>
+        </p:txBody>
+      </p:sp>
+      <p:sp>
+        <p:nvSpPr>
+          <p:cNvPr id="13" name="TextBox 12">
+            <a:extLst>
+              <a:ext uri="{FF2B5EF4-FFF2-40B4-BE49-F238E27FC236}">
+                <a16:creationId xmlns:a16="http://schemas.microsoft.com/office/drawing/2014/main" id="{C71C65CC-B3CD-1A4B-B228-C968F50308C3}"/>
+              </a:ext>
+            </a:extLst>
+          </p:cNvPr>
+          <p:cNvSpPr txBox="1"/>
+          <p:nvPr/>
+        </p:nvSpPr>
+        <p:spPr>
+          <a:xfrm>
+            <a:off x="5846456" y="2196916"/>
+            <a:ext cx="1851789" cy="369332"/>
+          </a:xfrm>
+          <a:prstGeom prst="rect">
+            <a:avLst/>
+          </a:prstGeom>
+          <a:noFill/>
+        </p:spPr>
+        <p:txBody>
+          <a:bodyPr wrap="none" rtlCol="0">
+            <a:spAutoFit/>
+          </a:bodyPr>
+          <a:lstStyle/>
+          <a:p>
+            <a:r>
+              <a:rPr lang="en-US" altLang="ko-KR" dirty="0"/>
+              <a:t>Html </a:t>
+            </a:r>
+            <a:r>
+              <a:rPr lang="ko-KR" altLang="en-US" dirty="0"/>
+              <a:t>에서 </a:t>
+            </a:r>
+            <a:r>
+              <a:rPr lang="en-US" altLang="ko-KR" dirty="0"/>
+              <a:t>radio</a:t>
+            </a:r>
+            <a:endParaRPr lang="ko-KR" altLang="en-US" dirty="0"/>
+          </a:p>
+        </p:txBody>
+      </p:sp>
+      <p:sp>
+        <p:nvSpPr>
+          <p:cNvPr id="15" name="TextBox 14">
+            <a:extLst>
+              <a:ext uri="{FF2B5EF4-FFF2-40B4-BE49-F238E27FC236}">
+                <a16:creationId xmlns:a16="http://schemas.microsoft.com/office/drawing/2014/main" id="{E15A24E1-F17E-4593-0881-AF889CB4AE70}"/>
+              </a:ext>
+            </a:extLst>
+          </p:cNvPr>
+          <p:cNvSpPr txBox="1"/>
+          <p:nvPr/>
+        </p:nvSpPr>
+        <p:spPr>
+          <a:xfrm>
+            <a:off x="379251" y="2439000"/>
+            <a:ext cx="2225289" cy="369332"/>
+          </a:xfrm>
+          <a:prstGeom prst="rect">
+            <a:avLst/>
+          </a:prstGeom>
+          <a:noFill/>
+        </p:spPr>
+        <p:txBody>
+          <a:bodyPr wrap="none" rtlCol="0">
+            <a:spAutoFit/>
+          </a:bodyPr>
+          <a:lstStyle/>
+          <a:p>
+            <a:r>
+              <a:rPr lang="ko-KR" altLang="en-US" dirty="0" err="1"/>
+              <a:t>ㄴ</a:t>
+            </a:r>
+            <a:r>
+              <a:rPr lang="en-US" altLang="ko-KR" dirty="0"/>
+              <a:t>select count </a:t>
+            </a:r>
+            <a:r>
+              <a:rPr lang="ko-KR" altLang="en-US" dirty="0" err="1"/>
+              <a:t>쓸것</a:t>
+            </a:r>
+            <a:endParaRPr lang="ko-KR" altLang="en-US" dirty="0"/>
+          </a:p>
+        </p:txBody>
+      </p:sp>
+      <p:sp>
+        <p:nvSpPr>
+          <p:cNvPr id="16" name="TextBox 15">
+            <a:extLst>
+              <a:ext uri="{FF2B5EF4-FFF2-40B4-BE49-F238E27FC236}">
+                <a16:creationId xmlns:a16="http://schemas.microsoft.com/office/drawing/2014/main" id="{02585DD5-0A74-ACF6-1620-6310DE27DAAB}"/>
+              </a:ext>
+            </a:extLst>
+          </p:cNvPr>
+          <p:cNvSpPr txBox="1"/>
+          <p:nvPr/>
+        </p:nvSpPr>
+        <p:spPr>
+          <a:xfrm>
+            <a:off x="5721938" y="4999982"/>
+            <a:ext cx="1338828" cy="646331"/>
+          </a:xfrm>
+          <a:prstGeom prst="rect">
+            <a:avLst/>
+          </a:prstGeom>
+          <a:noFill/>
+        </p:spPr>
+        <p:txBody>
+          <a:bodyPr wrap="none" rtlCol="0">
+            <a:spAutoFit/>
+          </a:bodyPr>
+          <a:lstStyle/>
+          <a:p>
+            <a:r>
+              <a:rPr lang="ko-KR" altLang="en-US" dirty="0" err="1"/>
+              <a:t>무한스크롤</a:t>
+            </a:r>
+            <a:endParaRPr lang="en-US" altLang="ko-KR" dirty="0"/>
+          </a:p>
+          <a:p>
+            <a:r>
+              <a:rPr lang="en-US" altLang="ko-KR" b="1" dirty="0">
+                <a:solidFill>
+                  <a:srgbClr val="FF0000"/>
+                </a:solidFill>
+              </a:rPr>
+              <a:t>ajax</a:t>
+            </a:r>
+            <a:endParaRPr lang="ko-KR" altLang="en-US" b="1" dirty="0">
+              <a:solidFill>
+                <a:srgbClr val="FF0000"/>
+              </a:solidFill>
+            </a:endParaRPr>
+          </a:p>
+        </p:txBody>
+      </p:sp>
+      <p:sp>
+        <p:nvSpPr>
+          <p:cNvPr id="5" name="TextBox 4">
+            <a:extLst>
+              <a:ext uri="{FF2B5EF4-FFF2-40B4-BE49-F238E27FC236}">
+                <a16:creationId xmlns:a16="http://schemas.microsoft.com/office/drawing/2014/main" id="{ACBA2BBE-BC9C-AC79-9E2C-B05FB26F8AC5}"/>
+              </a:ext>
+            </a:extLst>
+          </p:cNvPr>
+          <p:cNvSpPr txBox="1"/>
+          <p:nvPr/>
+        </p:nvSpPr>
+        <p:spPr>
+          <a:xfrm>
+            <a:off x="5364945" y="2769111"/>
+            <a:ext cx="3704860" cy="369332"/>
+          </a:xfrm>
+          <a:prstGeom prst="rect">
+            <a:avLst/>
+          </a:prstGeom>
+          <a:noFill/>
+        </p:spPr>
+        <p:txBody>
+          <a:bodyPr wrap="none" rtlCol="0">
+            <a:spAutoFit/>
+          </a:bodyPr>
+          <a:lstStyle/>
+          <a:p>
+            <a:r>
+              <a:rPr lang="ko-KR" altLang="en-US" dirty="0"/>
+              <a:t>상세보기 </a:t>
+            </a:r>
+            <a:r>
+              <a:rPr lang="en-US" altLang="ko-KR" dirty="0" err="1"/>
+              <a:t>detail.do?blogListNo</a:t>
+            </a:r>
+            <a:r>
+              <a:rPr lang="en-US" altLang="ko-KR" dirty="0"/>
+              <a:t>=??</a:t>
+            </a:r>
+            <a:endParaRPr lang="ko-KR" altLang="en-US" dirty="0"/>
+          </a:p>
+        </p:txBody>
+      </p:sp>
+    </p:spTree>
+    <p:extLst>
+      <p:ext uri="{BB962C8B-B14F-4D97-AF65-F5344CB8AC3E}">
+        <p14:creationId xmlns:p14="http://schemas.microsoft.com/office/powerpoint/2010/main" val="2389577814"/>
+      </p:ext>
+    </p:extLst>
+  </p:cSld>
+  <p:clrMapOvr>
+    <a:masterClrMapping/>
+  </p:clrMapOvr>
+</p:sld>
+</file>
+
+<file path=ppt/slides/slide6.xml><?xml version="1.0" encoding="utf-8"?>
+<p:sld xmlns:a="http://schemas.openxmlformats.org/drawingml/2006/main" xmlns:r="http://schemas.openxmlformats.org/officeDocument/2006/relationships" xmlns:p="http://schemas.openxmlformats.org/presentationml/2006/main">
+  <p:cSld>
+    <p:spTree>
+      <p:nvGrpSpPr>
+        <p:cNvPr id="1" name=""/>
+        <p:cNvGrpSpPr/>
+        <p:nvPr/>
+      </p:nvGrpSpPr>
+      <p:grpSpPr>
+        <a:xfrm>
+          <a:off x="0" y="0"/>
+          <a:ext cx="0" cy="0"/>
+          <a:chOff x="0" y="0"/>
+          <a:chExt cx="0" cy="0"/>
+        </a:xfrm>
+      </p:grpSpPr>
+      <p:sp>
+        <p:nvSpPr>
+          <p:cNvPr id="8" name="TextBox 7">
+            <a:extLst>
+              <a:ext uri="{FF2B5EF4-FFF2-40B4-BE49-F238E27FC236}">
+                <a16:creationId xmlns:a16="http://schemas.microsoft.com/office/drawing/2014/main" id="{643FE0AE-855C-F1F9-050D-43C7FCDF0E26}"/>
+              </a:ext>
+            </a:extLst>
+          </p:cNvPr>
+          <p:cNvSpPr txBox="1"/>
+          <p:nvPr/>
+        </p:nvSpPr>
+        <p:spPr>
+          <a:xfrm>
+            <a:off x="146304" y="58522"/>
+            <a:ext cx="4118435" cy="369332"/>
+          </a:xfrm>
+          <a:prstGeom prst="rect">
+            <a:avLst/>
+          </a:prstGeom>
+          <a:noFill/>
+        </p:spPr>
+        <p:txBody>
+          <a:bodyPr wrap="none" rtlCol="0">
+            <a:spAutoFit/>
+          </a:bodyPr>
+          <a:lstStyle/>
+          <a:p>
+            <a:r>
+              <a:rPr lang="ko-KR" altLang="en-US" dirty="0"/>
               <a:t>상세</a:t>
             </a:r>
+            <a:r>
+              <a:rPr lang="en-US" altLang="ko-KR" dirty="0"/>
+              <a:t>(</a:t>
+            </a:r>
+            <a:r>
+              <a:rPr lang="en-US" altLang="ko-KR" dirty="0" err="1"/>
+              <a:t>detail.do?blogNo</a:t>
+            </a:r>
+            <a:r>
+              <a:rPr lang="en-US" altLang="ko-KR" dirty="0"/>
+              <a:t>=…) – </a:t>
+            </a:r>
+            <a:r>
+              <a:rPr lang="en-US" altLang="ko-KR" dirty="0" err="1"/>
+              <a:t>detail.jsp</a:t>
+            </a:r>
+            <a:endParaRPr lang="ko-KR" altLang="en-US" dirty="0"/>
           </a:p>
         </p:txBody>
       </p:sp>
@@ -6551,7 +7188,7 @@
         </p:nvSpPr>
         <p:spPr>
           <a:xfrm>
-            <a:off x="5887247" y="507072"/>
+            <a:off x="5660475" y="507072"/>
             <a:ext cx="1371016" cy="407328"/>
           </a:xfrm>
           <a:prstGeom prst="rect">
@@ -6705,366 +7342,124 @@
           </a:p>
         </p:txBody>
       </p:sp>
+      <p:sp>
+        <p:nvSpPr>
+          <p:cNvPr id="5" name="TextBox 4">
+            <a:extLst>
+              <a:ext uri="{FF2B5EF4-FFF2-40B4-BE49-F238E27FC236}">
+                <a16:creationId xmlns:a16="http://schemas.microsoft.com/office/drawing/2014/main" id="{3803E125-781E-5D4F-BD05-79FBA44A91AF}"/>
+              </a:ext>
+            </a:extLst>
+          </p:cNvPr>
+          <p:cNvSpPr txBox="1"/>
+          <p:nvPr/>
+        </p:nvSpPr>
+        <p:spPr>
+          <a:xfrm>
+            <a:off x="7258262" y="601719"/>
+            <a:ext cx="4016805" cy="1477328"/>
+          </a:xfrm>
+          <a:prstGeom prst="rect">
+            <a:avLst/>
+          </a:prstGeom>
+          <a:noFill/>
+        </p:spPr>
+        <p:txBody>
+          <a:bodyPr wrap="none" rtlCol="0">
+            <a:spAutoFit/>
+          </a:bodyPr>
+          <a:lstStyle/>
+          <a:p>
+            <a:r>
+              <a:rPr lang="en-US" altLang="ko-KR" dirty="0"/>
+              <a:t>: </a:t>
+            </a:r>
+            <a:r>
+              <a:rPr lang="ko-KR" altLang="en-US" dirty="0"/>
+              <a:t>누르면</a:t>
+            </a:r>
+            <a:endParaRPr lang="en-US" altLang="ko-KR" dirty="0"/>
+          </a:p>
+          <a:p>
+            <a:r>
+              <a:rPr lang="ko-KR" altLang="en-US" dirty="0" err="1"/>
+              <a:t>ㄴ수정</a:t>
+            </a:r>
+            <a:r>
+              <a:rPr lang="ko-KR" altLang="en-US" dirty="0"/>
+              <a:t> </a:t>
+            </a:r>
+            <a:r>
+              <a:rPr lang="en-US" altLang="ko-KR" dirty="0"/>
+              <a:t>: </a:t>
+            </a:r>
+            <a:r>
+              <a:rPr lang="en-US" altLang="ko-KR" dirty="0" err="1"/>
+              <a:t>write.do?blogNo</a:t>
+            </a:r>
+            <a:r>
+              <a:rPr lang="en-US" altLang="ko-KR" dirty="0"/>
+              <a:t>=</a:t>
+            </a:r>
+            <a:r>
+              <a:rPr lang="en-US" altLang="ko-KR" dirty="0" err="1"/>
+              <a:t>sdf</a:t>
+            </a:r>
+            <a:endParaRPr lang="en-US" altLang="ko-KR" dirty="0"/>
+          </a:p>
+          <a:p>
+            <a:r>
+              <a:rPr lang="ko-KR" altLang="en-US" dirty="0" err="1"/>
+              <a:t>ㄴ삭제</a:t>
+            </a:r>
+            <a:r>
+              <a:rPr lang="ko-KR" altLang="en-US" dirty="0"/>
+              <a:t> </a:t>
+            </a:r>
+            <a:r>
+              <a:rPr lang="en-US" altLang="ko-KR" dirty="0"/>
+              <a:t>: </a:t>
+            </a:r>
+            <a:r>
+              <a:rPr lang="ko-KR" altLang="en-US" dirty="0"/>
+              <a:t>삭제할까요</a:t>
+            </a:r>
+            <a:r>
+              <a:rPr lang="en-US" altLang="ko-KR" dirty="0"/>
+              <a:t>?</a:t>
+            </a:r>
+          </a:p>
+          <a:p>
+            <a:r>
+              <a:rPr lang="en-US" altLang="ko-KR" dirty="0"/>
+              <a:t>            </a:t>
+            </a:r>
+            <a:r>
+              <a:rPr lang="ko-KR" altLang="en-US" dirty="0"/>
+              <a:t>ㄴ 예</a:t>
+            </a:r>
+            <a:r>
+              <a:rPr lang="en-US" altLang="ko-KR" dirty="0"/>
+              <a:t>: delete.do</a:t>
+            </a:r>
+          </a:p>
+          <a:p>
+            <a:r>
+              <a:rPr lang="en-US" altLang="ko-KR" dirty="0"/>
+              <a:t>                     return </a:t>
+            </a:r>
+            <a:r>
+              <a:rPr lang="en-US" altLang="ko-KR" dirty="0" err="1"/>
+              <a:t>mypage.page</a:t>
+            </a:r>
+            <a:endParaRPr lang="ko-KR" altLang="en-US" dirty="0"/>
+          </a:p>
+        </p:txBody>
+      </p:sp>
     </p:spTree>
     <p:extLst>
       <p:ext uri="{BB962C8B-B14F-4D97-AF65-F5344CB8AC3E}">
         <p14:creationId xmlns:p14="http://schemas.microsoft.com/office/powerpoint/2010/main" val="3260100483"/>
-      </p:ext>
-    </p:extLst>
-  </p:cSld>
-  <p:clrMapOvr>
-    <a:masterClrMapping/>
-  </p:clrMapOvr>
-</p:sld>
-</file>
-
-<file path=ppt/slides/slide6.xml><?xml version="1.0" encoding="utf-8"?>
-<p:sld xmlns:a="http://schemas.openxmlformats.org/drawingml/2006/main" xmlns:r="http://schemas.openxmlformats.org/officeDocument/2006/relationships" xmlns:p="http://schemas.openxmlformats.org/presentationml/2006/main">
-  <p:cSld>
-    <p:spTree>
-      <p:nvGrpSpPr>
-        <p:cNvPr id="1" name=""/>
-        <p:cNvGrpSpPr/>
-        <p:nvPr/>
-      </p:nvGrpSpPr>
-      <p:grpSpPr>
-        <a:xfrm>
-          <a:off x="0" y="0"/>
-          <a:ext cx="0" cy="0"/>
-          <a:chOff x="0" y="0"/>
-          <a:chExt cx="0" cy="0"/>
-        </a:xfrm>
-      </p:grpSpPr>
-      <p:sp>
-        <p:nvSpPr>
-          <p:cNvPr id="8" name="TextBox 7">
-            <a:extLst>
-              <a:ext uri="{FF2B5EF4-FFF2-40B4-BE49-F238E27FC236}">
-                <a16:creationId xmlns:a16="http://schemas.microsoft.com/office/drawing/2014/main" id="{643FE0AE-855C-F1F9-050D-43C7FCDF0E26}"/>
-              </a:ext>
-            </a:extLst>
-          </p:cNvPr>
-          <p:cNvSpPr txBox="1"/>
-          <p:nvPr/>
-        </p:nvSpPr>
-        <p:spPr>
-          <a:xfrm>
-            <a:off x="146304" y="58522"/>
-            <a:ext cx="1107996" cy="369332"/>
-          </a:xfrm>
-          <a:prstGeom prst="rect">
-            <a:avLst/>
-          </a:prstGeom>
-          <a:noFill/>
-        </p:spPr>
-        <p:txBody>
-          <a:bodyPr wrap="none" rtlCol="0">
-            <a:spAutoFit/>
-          </a:bodyPr>
-          <a:lstStyle/>
-          <a:p>
-            <a:r>
-              <a:rPr lang="ko-KR" altLang="en-US" dirty="0"/>
-              <a:t>카테고리</a:t>
-            </a:r>
-          </a:p>
-        </p:txBody>
-      </p:sp>
-      <p:pic>
-        <p:nvPicPr>
-          <p:cNvPr id="4098" name="Picture 2">
-            <a:extLst>
-              <a:ext uri="{FF2B5EF4-FFF2-40B4-BE49-F238E27FC236}">
-                <a16:creationId xmlns:a16="http://schemas.microsoft.com/office/drawing/2014/main" id="{36ECAF17-2A82-87FA-EC23-1CF3BC94221D}"/>
-              </a:ext>
-            </a:extLst>
-          </p:cNvPr>
-          <p:cNvPicPr>
-            <a:picLocks noChangeAspect="1" noChangeArrowheads="1"/>
-          </p:cNvPicPr>
-          <p:nvPr/>
-        </p:nvPicPr>
-        <p:blipFill>
-          <a:blip r:embed="rId2">
-            <a:extLst>
-              <a:ext uri="{28A0092B-C50C-407E-A947-70E740481C1C}">
-                <a14:useLocalDpi xmlns:a14="http://schemas.microsoft.com/office/drawing/2010/main" val="0"/>
-              </a:ext>
-            </a:extLst>
-          </a:blip>
-          <a:srcRect/>
-          <a:stretch>
-            <a:fillRect/>
-          </a:stretch>
-        </p:blipFill>
-        <p:spPr bwMode="auto">
-          <a:xfrm>
-            <a:off x="248717" y="707213"/>
-            <a:ext cx="5779008" cy="748713"/>
-          </a:xfrm>
-          <a:prstGeom prst="rect">
-            <a:avLst/>
-          </a:prstGeom>
-          <a:noFill/>
-          <a:extLst>
-            <a:ext uri="{909E8E84-426E-40DD-AFC4-6F175D3DCCD1}">
-              <a14:hiddenFill xmlns:a14="http://schemas.microsoft.com/office/drawing/2010/main">
-                <a:solidFill>
-                  <a:srgbClr val="FFFFFF"/>
-                </a:solidFill>
-              </a14:hiddenFill>
-            </a:ext>
-          </a:extLst>
-        </p:spPr>
-      </p:pic>
-      <p:pic>
-        <p:nvPicPr>
-          <p:cNvPr id="4100" name="Picture 4">
-            <a:extLst>
-              <a:ext uri="{FF2B5EF4-FFF2-40B4-BE49-F238E27FC236}">
-                <a16:creationId xmlns:a16="http://schemas.microsoft.com/office/drawing/2014/main" id="{B585CF4F-2DD1-D1D8-1D02-53AF7725F6A2}"/>
-              </a:ext>
-            </a:extLst>
-          </p:cNvPr>
-          <p:cNvPicPr>
-            <a:picLocks noChangeAspect="1" noChangeArrowheads="1"/>
-          </p:cNvPicPr>
-          <p:nvPr/>
-        </p:nvPicPr>
-        <p:blipFill>
-          <a:blip r:embed="rId3">
-            <a:extLst>
-              <a:ext uri="{28A0092B-C50C-407E-A947-70E740481C1C}">
-                <a14:useLocalDpi xmlns:a14="http://schemas.microsoft.com/office/drawing/2010/main" val="0"/>
-              </a:ext>
-            </a:extLst>
-          </a:blip>
-          <a:srcRect/>
-          <a:stretch>
-            <a:fillRect/>
-          </a:stretch>
-        </p:blipFill>
-        <p:spPr bwMode="auto">
-          <a:xfrm>
-            <a:off x="248716" y="1455926"/>
-            <a:ext cx="5779008" cy="4802870"/>
-          </a:xfrm>
-          <a:prstGeom prst="rect">
-            <a:avLst/>
-          </a:prstGeom>
-          <a:noFill/>
-          <a:extLst>
-            <a:ext uri="{909E8E84-426E-40DD-AFC4-6F175D3DCCD1}">
-              <a14:hiddenFill xmlns:a14="http://schemas.microsoft.com/office/drawing/2010/main">
-                <a:solidFill>
-                  <a:srgbClr val="FFFFFF"/>
-                </a:solidFill>
-              </a14:hiddenFill>
-            </a:ext>
-          </a:extLst>
-        </p:spPr>
-      </p:pic>
-      <p:sp>
-        <p:nvSpPr>
-          <p:cNvPr id="5" name="직사각형 4">
-            <a:extLst>
-              <a:ext uri="{FF2B5EF4-FFF2-40B4-BE49-F238E27FC236}">
-                <a16:creationId xmlns:a16="http://schemas.microsoft.com/office/drawing/2014/main" id="{9CDC06D6-3C06-18C1-8AD2-E1B188E7474F}"/>
-              </a:ext>
-            </a:extLst>
-          </p:cNvPr>
-          <p:cNvSpPr/>
-          <p:nvPr/>
-        </p:nvSpPr>
-        <p:spPr>
-          <a:xfrm flipV="1">
-            <a:off x="1398410" y="1081568"/>
-            <a:ext cx="3351390" cy="341173"/>
-          </a:xfrm>
-          <a:prstGeom prst="rect">
-            <a:avLst/>
-          </a:prstGeom>
-          <a:solidFill>
-            <a:schemeClr val="bg1"/>
-          </a:solidFill>
-          <a:ln>
-            <a:noFill/>
-          </a:ln>
-        </p:spPr>
-        <p:style>
-          <a:lnRef idx="2">
-            <a:schemeClr val="accent1">
-              <a:shade val="15000"/>
-            </a:schemeClr>
-          </a:lnRef>
-          <a:fillRef idx="1">
-            <a:schemeClr val="accent1"/>
-          </a:fillRef>
-          <a:effectRef idx="0">
-            <a:schemeClr val="accent1"/>
-          </a:effectRef>
-          <a:fontRef idx="minor">
-            <a:schemeClr val="lt1"/>
-          </a:fontRef>
-        </p:style>
-        <p:txBody>
-          <a:bodyPr rtlCol="0" anchor="ctr"/>
-          <a:lstStyle/>
-          <a:p>
-            <a:pPr algn="ctr"/>
-            <a:endParaRPr lang="ko-KR" altLang="en-US" sz="700" dirty="0">
-              <a:solidFill>
-                <a:schemeClr val="tx1"/>
-              </a:solidFill>
-            </a:endParaRPr>
-          </a:p>
-        </p:txBody>
-      </p:sp>
-      <p:sp>
-        <p:nvSpPr>
-          <p:cNvPr id="6" name="화살표: 아래쪽 5">
-            <a:extLst>
-              <a:ext uri="{FF2B5EF4-FFF2-40B4-BE49-F238E27FC236}">
-                <a16:creationId xmlns:a16="http://schemas.microsoft.com/office/drawing/2014/main" id="{95C9F4E9-CC9F-916E-119C-E2BBB78C6E88}"/>
-              </a:ext>
-            </a:extLst>
-          </p:cNvPr>
-          <p:cNvSpPr/>
-          <p:nvPr/>
-        </p:nvSpPr>
-        <p:spPr>
-          <a:xfrm rot="16200000">
-            <a:off x="3921455" y="557342"/>
-            <a:ext cx="343814" cy="794612"/>
-          </a:xfrm>
-          <a:prstGeom prst="downArrow">
-            <a:avLst/>
-          </a:prstGeom>
-          <a:solidFill>
-            <a:srgbClr val="FF0000"/>
-          </a:solidFill>
-          <a:ln>
-            <a:solidFill>
-              <a:srgbClr val="FF0000"/>
-            </a:solidFill>
-          </a:ln>
-        </p:spPr>
-        <p:style>
-          <a:lnRef idx="2">
-            <a:schemeClr val="accent1">
-              <a:shade val="15000"/>
-            </a:schemeClr>
-          </a:lnRef>
-          <a:fillRef idx="1">
-            <a:schemeClr val="accent1"/>
-          </a:fillRef>
-          <a:effectRef idx="0">
-            <a:schemeClr val="accent1"/>
-          </a:effectRef>
-          <a:fontRef idx="minor">
-            <a:schemeClr val="lt1"/>
-          </a:fontRef>
-        </p:style>
-        <p:txBody>
-          <a:bodyPr rtlCol="0" anchor="ctr"/>
-          <a:lstStyle/>
-          <a:p>
-            <a:pPr algn="ctr"/>
-            <a:endParaRPr lang="ko-KR" altLang="en-US"/>
-          </a:p>
-        </p:txBody>
-      </p:sp>
-      <p:sp>
-        <p:nvSpPr>
-          <p:cNvPr id="7" name="TextBox 6">
-            <a:extLst>
-              <a:ext uri="{FF2B5EF4-FFF2-40B4-BE49-F238E27FC236}">
-                <a16:creationId xmlns:a16="http://schemas.microsoft.com/office/drawing/2014/main" id="{12535FEE-88DD-C339-5F1C-294C8BB41E94}"/>
-              </a:ext>
-            </a:extLst>
-          </p:cNvPr>
-          <p:cNvSpPr txBox="1"/>
-          <p:nvPr/>
-        </p:nvSpPr>
-        <p:spPr>
-          <a:xfrm>
-            <a:off x="4525656" y="757223"/>
-            <a:ext cx="4264309" cy="646331"/>
-          </a:xfrm>
-          <a:prstGeom prst="rect">
-            <a:avLst/>
-          </a:prstGeom>
-          <a:noFill/>
-        </p:spPr>
-        <p:txBody>
-          <a:bodyPr wrap="none" rtlCol="0">
-            <a:spAutoFit/>
-          </a:bodyPr>
-          <a:lstStyle/>
-          <a:p>
-            <a:r>
-              <a:rPr lang="ko-KR" altLang="en-US" dirty="0"/>
-              <a:t>메인에서 </a:t>
-            </a:r>
-            <a:r>
-              <a:rPr lang="en-US" altLang="ko-KR" dirty="0"/>
-              <a:t>6</a:t>
-            </a:r>
-            <a:r>
-              <a:rPr lang="ko-KR" altLang="en-US" dirty="0"/>
-              <a:t>개 키워드 중 하나 눌렀을 때</a:t>
-            </a:r>
-            <a:endParaRPr lang="en-US" altLang="ko-KR" dirty="0"/>
-          </a:p>
-          <a:p>
-            <a:r>
-              <a:rPr lang="en-US" altLang="ko-KR" dirty="0"/>
-              <a:t>(DB = KEYWORD_NAME)</a:t>
-            </a:r>
-            <a:endParaRPr lang="ko-KR" altLang="en-US" dirty="0"/>
-          </a:p>
-        </p:txBody>
-      </p:sp>
-      <p:sp>
-        <p:nvSpPr>
-          <p:cNvPr id="9" name="TextBox 8">
-            <a:extLst>
-              <a:ext uri="{FF2B5EF4-FFF2-40B4-BE49-F238E27FC236}">
-                <a16:creationId xmlns:a16="http://schemas.microsoft.com/office/drawing/2014/main" id="{FEB4168A-B55B-6920-35C3-3A64DEE56C05}"/>
-              </a:ext>
-            </a:extLst>
-          </p:cNvPr>
-          <p:cNvSpPr txBox="1"/>
-          <p:nvPr/>
-        </p:nvSpPr>
-        <p:spPr>
-          <a:xfrm>
-            <a:off x="6793276" y="1857890"/>
-            <a:ext cx="1338828" cy="369332"/>
-          </a:xfrm>
-          <a:prstGeom prst="rect">
-            <a:avLst/>
-          </a:prstGeom>
-          <a:noFill/>
-        </p:spPr>
-        <p:txBody>
-          <a:bodyPr wrap="none" rtlCol="0">
-            <a:spAutoFit/>
-          </a:bodyPr>
-          <a:lstStyle/>
-          <a:p>
-            <a:r>
-              <a:rPr lang="ko-KR" altLang="en-US" dirty="0" err="1"/>
-              <a:t>무한스크롤</a:t>
-            </a:r>
-            <a:endParaRPr lang="ko-KR" altLang="en-US" dirty="0"/>
-          </a:p>
-        </p:txBody>
-      </p:sp>
-    </p:spTree>
-    <p:extLst>
-      <p:ext uri="{BB962C8B-B14F-4D97-AF65-F5344CB8AC3E}">
-        <p14:creationId xmlns:p14="http://schemas.microsoft.com/office/powerpoint/2010/main" val="2996679026"/>
       </p:ext>
     </p:extLst>
   </p:cSld>
@@ -7093,10 +7488,10 @@
       </p:grpSpPr>
       <p:sp>
         <p:nvSpPr>
-          <p:cNvPr id="2" name="TextBox 1">
-            <a:extLst>
-              <a:ext uri="{FF2B5EF4-FFF2-40B4-BE49-F238E27FC236}">
-                <a16:creationId xmlns:a16="http://schemas.microsoft.com/office/drawing/2014/main" id="{D9F72988-F10E-21F1-511F-0644F8971EC2}"/>
+          <p:cNvPr id="8" name="TextBox 7">
+            <a:extLst>
+              <a:ext uri="{FF2B5EF4-FFF2-40B4-BE49-F238E27FC236}">
+                <a16:creationId xmlns:a16="http://schemas.microsoft.com/office/drawing/2014/main" id="{643FE0AE-855C-F1F9-050D-43C7FCDF0E26}"/>
               </a:ext>
             </a:extLst>
           </p:cNvPr>
@@ -7105,8 +7500,8 @@
         </p:nvSpPr>
         <p:spPr>
           <a:xfrm>
-            <a:off x="431597" y="219456"/>
-            <a:ext cx="1338828" cy="369332"/>
+            <a:off x="146304" y="58522"/>
+            <a:ext cx="5640198" cy="369332"/>
           </a:xfrm>
           <a:prstGeom prst="rect">
             <a:avLst/>
@@ -7121,17 +7516,38 @@
           <a:p>
             <a:r>
               <a:rPr lang="ko-KR" altLang="en-US" dirty="0"/>
-              <a:t>프로필편집</a:t>
-            </a:r>
+              <a:t>카테고리 </a:t>
+            </a:r>
+            <a:r>
+              <a:rPr lang="en-US" altLang="ko-KR" dirty="0"/>
+              <a:t>(</a:t>
+            </a:r>
+            <a:r>
+              <a:rPr lang="en-US" altLang="ko-KR" dirty="0" err="1"/>
+              <a:t>keyword.do?keywordNo</a:t>
+            </a:r>
+            <a:r>
+              <a:rPr lang="en-US" altLang="ko-KR" dirty="0"/>
+              <a:t>=? = </a:t>
+            </a:r>
+            <a:r>
+              <a:rPr lang="en-US" altLang="ko-KR" dirty="0" err="1"/>
+              <a:t>keyword.jsp</a:t>
+            </a:r>
+            <a:r>
+              <a:rPr lang="en-US" altLang="ko-KR" dirty="0"/>
+              <a:t>)</a:t>
+            </a:r>
+            <a:endParaRPr lang="ko-KR" altLang="en-US" dirty="0"/>
           </a:p>
         </p:txBody>
       </p:sp>
       <p:pic>
         <p:nvPicPr>
-          <p:cNvPr id="8194" name="Picture 2">
-            <a:extLst>
-              <a:ext uri="{FF2B5EF4-FFF2-40B4-BE49-F238E27FC236}">
-                <a16:creationId xmlns:a16="http://schemas.microsoft.com/office/drawing/2014/main" id="{6B4950FD-8183-AB8A-D6F4-D6C0D13DBBD2}"/>
+          <p:cNvPr id="4098" name="Picture 2">
+            <a:extLst>
+              <a:ext uri="{FF2B5EF4-FFF2-40B4-BE49-F238E27FC236}">
+                <a16:creationId xmlns:a16="http://schemas.microsoft.com/office/drawing/2014/main" id="{36ECAF17-2A82-87FA-EC23-1CF3BC94221D}"/>
               </a:ext>
             </a:extLst>
           </p:cNvPr>
@@ -7155,8 +7571,8 @@
         </p:blipFill>
         <p:spPr bwMode="auto">
           <a:xfrm>
-            <a:off x="299923" y="828817"/>
-            <a:ext cx="8794814" cy="4395116"/>
+            <a:off x="248717" y="707213"/>
+            <a:ext cx="5779008" cy="748713"/>
           </a:xfrm>
           <a:prstGeom prst="rect">
             <a:avLst/>
@@ -7173,12 +7589,169 @@
           </a:extLst>
         </p:spPr>
       </p:pic>
-      <p:sp>
-        <p:nvSpPr>
-          <p:cNvPr id="4" name="TextBox 3">
-            <a:extLst>
-              <a:ext uri="{FF2B5EF4-FFF2-40B4-BE49-F238E27FC236}">
-                <a16:creationId xmlns:a16="http://schemas.microsoft.com/office/drawing/2014/main" id="{20176EE8-7889-6234-DD36-11DE4C65C984}"/>
+      <p:pic>
+        <p:nvPicPr>
+          <p:cNvPr id="4100" name="Picture 4">
+            <a:extLst>
+              <a:ext uri="{FF2B5EF4-FFF2-40B4-BE49-F238E27FC236}">
+                <a16:creationId xmlns:a16="http://schemas.microsoft.com/office/drawing/2014/main" id="{B585CF4F-2DD1-D1D8-1D02-53AF7725F6A2}"/>
+              </a:ext>
+            </a:extLst>
+          </p:cNvPr>
+          <p:cNvPicPr>
+            <a:picLocks noChangeAspect="1" noChangeArrowheads="1"/>
+          </p:cNvPicPr>
+          <p:nvPr/>
+        </p:nvPicPr>
+        <p:blipFill>
+          <a:blip r:embed="rId3">
+            <a:extLst>
+              <a:ext uri="{28A0092B-C50C-407E-A947-70E740481C1C}">
+                <a14:useLocalDpi xmlns:a14="http://schemas.microsoft.com/office/drawing/2010/main" val="0"/>
+              </a:ext>
+            </a:extLst>
+          </a:blip>
+          <a:srcRect/>
+          <a:stretch>
+            <a:fillRect/>
+          </a:stretch>
+        </p:blipFill>
+        <p:spPr bwMode="auto">
+          <a:xfrm>
+            <a:off x="248716" y="1455926"/>
+            <a:ext cx="5779008" cy="4802870"/>
+          </a:xfrm>
+          <a:prstGeom prst="rect">
+            <a:avLst/>
+          </a:prstGeom>
+          <a:noFill/>
+          <a:extLst>
+            <a:ext uri="{909E8E84-426E-40DD-AFC4-6F175D3DCCD1}">
+              <a14:hiddenFill xmlns:a14="http://schemas.microsoft.com/office/drawing/2010/main">
+                <a:solidFill>
+                  <a:srgbClr val="FFFFFF"/>
+                </a:solidFill>
+              </a14:hiddenFill>
+            </a:ext>
+          </a:extLst>
+        </p:spPr>
+      </p:pic>
+      <p:sp>
+        <p:nvSpPr>
+          <p:cNvPr id="5" name="직사각형 4">
+            <a:extLst>
+              <a:ext uri="{FF2B5EF4-FFF2-40B4-BE49-F238E27FC236}">
+                <a16:creationId xmlns:a16="http://schemas.microsoft.com/office/drawing/2014/main" id="{9CDC06D6-3C06-18C1-8AD2-E1B188E7474F}"/>
+              </a:ext>
+            </a:extLst>
+          </p:cNvPr>
+          <p:cNvSpPr/>
+          <p:nvPr/>
+        </p:nvSpPr>
+        <p:spPr>
+          <a:xfrm flipV="1">
+            <a:off x="1398410" y="1081568"/>
+            <a:ext cx="3351390" cy="341173"/>
+          </a:xfrm>
+          <a:prstGeom prst="rect">
+            <a:avLst/>
+          </a:prstGeom>
+          <a:solidFill>
+            <a:schemeClr val="bg1"/>
+          </a:solidFill>
+          <a:ln>
+            <a:noFill/>
+          </a:ln>
+        </p:spPr>
+        <p:style>
+          <a:lnRef idx="2">
+            <a:schemeClr val="accent1">
+              <a:shade val="15000"/>
+            </a:schemeClr>
+          </a:lnRef>
+          <a:fillRef idx="1">
+            <a:schemeClr val="accent1"/>
+          </a:fillRef>
+          <a:effectRef idx="0">
+            <a:schemeClr val="accent1"/>
+          </a:effectRef>
+          <a:fontRef idx="minor">
+            <a:schemeClr val="lt1"/>
+          </a:fontRef>
+        </p:style>
+        <p:txBody>
+          <a:bodyPr rtlCol="0" anchor="ctr"/>
+          <a:lstStyle/>
+          <a:p>
+            <a:pPr algn="ctr"/>
+            <a:endParaRPr lang="ko-KR" altLang="en-US" sz="700" dirty="0">
+              <a:solidFill>
+                <a:schemeClr val="tx1"/>
+              </a:solidFill>
+            </a:endParaRPr>
+          </a:p>
+        </p:txBody>
+      </p:sp>
+      <p:sp>
+        <p:nvSpPr>
+          <p:cNvPr id="6" name="화살표: 아래쪽 5">
+            <a:extLst>
+              <a:ext uri="{FF2B5EF4-FFF2-40B4-BE49-F238E27FC236}">
+                <a16:creationId xmlns:a16="http://schemas.microsoft.com/office/drawing/2014/main" id="{95C9F4E9-CC9F-916E-119C-E2BBB78C6E88}"/>
+              </a:ext>
+            </a:extLst>
+          </p:cNvPr>
+          <p:cNvSpPr/>
+          <p:nvPr/>
+        </p:nvSpPr>
+        <p:spPr>
+          <a:xfrm rot="16200000">
+            <a:off x="3921455" y="557342"/>
+            <a:ext cx="343814" cy="794612"/>
+          </a:xfrm>
+          <a:prstGeom prst="downArrow">
+            <a:avLst/>
+          </a:prstGeom>
+          <a:solidFill>
+            <a:srgbClr val="FF0000"/>
+          </a:solidFill>
+          <a:ln>
+            <a:solidFill>
+              <a:srgbClr val="FF0000"/>
+            </a:solidFill>
+          </a:ln>
+        </p:spPr>
+        <p:style>
+          <a:lnRef idx="2">
+            <a:schemeClr val="accent1">
+              <a:shade val="15000"/>
+            </a:schemeClr>
+          </a:lnRef>
+          <a:fillRef idx="1">
+            <a:schemeClr val="accent1"/>
+          </a:fillRef>
+          <a:effectRef idx="0">
+            <a:schemeClr val="accent1"/>
+          </a:effectRef>
+          <a:fontRef idx="minor">
+            <a:schemeClr val="lt1"/>
+          </a:fontRef>
+        </p:style>
+        <p:txBody>
+          <a:bodyPr rtlCol="0" anchor="ctr"/>
+          <a:lstStyle/>
+          <a:p>
+            <a:pPr algn="ctr"/>
+            <a:endParaRPr lang="ko-KR" altLang="en-US"/>
+          </a:p>
+        </p:txBody>
+      </p:sp>
+      <p:sp>
+        <p:nvSpPr>
+          <p:cNvPr id="7" name="TextBox 6">
+            <a:extLst>
+              <a:ext uri="{FF2B5EF4-FFF2-40B4-BE49-F238E27FC236}">
+                <a16:creationId xmlns:a16="http://schemas.microsoft.com/office/drawing/2014/main" id="{12535FEE-88DD-C339-5F1C-294C8BB41E94}"/>
               </a:ext>
             </a:extLst>
           </p:cNvPr>
@@ -7187,8 +7760,8 @@
         </p:nvSpPr>
         <p:spPr>
           <a:xfrm>
-            <a:off x="4190797" y="2039789"/>
-            <a:ext cx="6274475" cy="646331"/>
+            <a:off x="4525656" y="757223"/>
+            <a:ext cx="4264309" cy="646331"/>
           </a:xfrm>
           <a:prstGeom prst="rect">
             <a:avLst/>
@@ -7202,42 +7775,59 @@
           <a:lstStyle/>
           <a:p>
             <a:r>
+              <a:rPr lang="ko-KR" altLang="en-US" dirty="0"/>
+              <a:t>메인에서 </a:t>
+            </a:r>
+            <a:r>
+              <a:rPr lang="en-US" altLang="ko-KR" dirty="0"/>
+              <a:t>6</a:t>
+            </a:r>
+            <a:r>
+              <a:rPr lang="ko-KR" altLang="en-US" dirty="0"/>
+              <a:t>개 키워드 중 하나 눌렀을 때</a:t>
+            </a:r>
+            <a:endParaRPr lang="en-US" altLang="ko-KR" dirty="0"/>
+          </a:p>
+          <a:p>
+            <a:r>
+              <a:rPr lang="en-US" altLang="ko-KR" dirty="0"/>
+              <a:t>(DB = KEYWORD_NAME)</a:t>
+            </a:r>
+            <a:endParaRPr lang="ko-KR" altLang="en-US" dirty="0"/>
+          </a:p>
+        </p:txBody>
+      </p:sp>
+      <p:sp>
+        <p:nvSpPr>
+          <p:cNvPr id="9" name="TextBox 8">
+            <a:extLst>
+              <a:ext uri="{FF2B5EF4-FFF2-40B4-BE49-F238E27FC236}">
+                <a16:creationId xmlns:a16="http://schemas.microsoft.com/office/drawing/2014/main" id="{FEB4168A-B55B-6920-35C3-3A64DEE56C05}"/>
+              </a:ext>
+            </a:extLst>
+          </p:cNvPr>
+          <p:cNvSpPr txBox="1"/>
+          <p:nvPr/>
+        </p:nvSpPr>
+        <p:spPr>
+          <a:xfrm>
+            <a:off x="6793276" y="1857890"/>
+            <a:ext cx="1338828" cy="369332"/>
+          </a:xfrm>
+          <a:prstGeom prst="rect">
+            <a:avLst/>
+          </a:prstGeom>
+          <a:noFill/>
+        </p:spPr>
+        <p:txBody>
+          <a:bodyPr wrap="none" rtlCol="0">
+            <a:spAutoFit/>
+          </a:bodyPr>
+          <a:lstStyle/>
+          <a:p>
+            <a:r>
               <a:rPr lang="ko-KR" altLang="en-US" dirty="0" err="1"/>
-              <a:t>작가명</a:t>
-            </a:r>
-            <a:r>
-              <a:rPr lang="en-US" altLang="ko-KR" dirty="0"/>
-              <a:t>=DB </a:t>
-            </a:r>
-            <a:r>
-              <a:rPr lang="ko-KR" altLang="en-US" dirty="0"/>
-              <a:t>에서 </a:t>
-            </a:r>
-            <a:r>
-              <a:rPr lang="en-US" altLang="ko-KR" dirty="0"/>
-              <a:t>NICKNAME</a:t>
-            </a:r>
-          </a:p>
-          <a:p>
-            <a:r>
-              <a:rPr lang="en-US" altLang="ko-KR" dirty="0"/>
-              <a:t>(</a:t>
-            </a:r>
-            <a:r>
-              <a:rPr lang="ko-KR" altLang="en-US" dirty="0"/>
-              <a:t>네이버로그인 시 </a:t>
-            </a:r>
-            <a:r>
-              <a:rPr lang="ko-KR" altLang="en-US" dirty="0" err="1"/>
-              <a:t>디폴트값은</a:t>
-            </a:r>
-            <a:r>
-              <a:rPr lang="ko-KR" altLang="en-US" dirty="0"/>
-              <a:t> 네이버에서 사용한 별명이다</a:t>
-            </a:r>
-            <a:r>
-              <a:rPr lang="en-US" altLang="ko-KR" dirty="0"/>
-              <a:t>)</a:t>
+              <a:t>무한스크롤</a:t>
             </a:r>
             <a:endParaRPr lang="ko-KR" altLang="en-US" dirty="0"/>
           </a:p>
@@ -7246,7 +7836,7 @@
     </p:spTree>
     <p:extLst>
       <p:ext uri="{BB962C8B-B14F-4D97-AF65-F5344CB8AC3E}">
-        <p14:creationId xmlns:p14="http://schemas.microsoft.com/office/powerpoint/2010/main" val="178378869"/>
+        <p14:creationId xmlns:p14="http://schemas.microsoft.com/office/powerpoint/2010/main" val="2996679026"/>
       </p:ext>
     </p:extLst>
   </p:cSld>
@@ -7288,7 +7878,7 @@
         <p:spPr>
           <a:xfrm>
             <a:off x="431597" y="219456"/>
-            <a:ext cx="877163" cy="369332"/>
+            <a:ext cx="2096664" cy="369332"/>
           </a:xfrm>
           <a:prstGeom prst="rect">
             <a:avLst/>
@@ -7304,6 +7894,18 @@
             <a:r>
               <a:rPr lang="ko-KR" altLang="en-US" dirty="0" err="1"/>
               <a:t>글작성</a:t>
+            </a:r>
+            <a:r>
+              <a:rPr lang="en-US" altLang="ko-KR" dirty="0"/>
+              <a:t>(</a:t>
+            </a:r>
+            <a:r>
+              <a:rPr lang="en-US" altLang="ko-KR" dirty="0" err="1"/>
+              <a:t>write.page</a:t>
+            </a:r>
+            <a:r>
+              <a:rPr lang="en-US" altLang="ko-KR" dirty="0"/>
+              <a:t>)</a:t>
             </a:r>
             <a:endParaRPr lang="ko-KR" altLang="en-US" dirty="0"/>
           </a:p>
@@ -7640,7 +8242,7 @@
         </p:nvSpPr>
         <p:spPr>
           <a:xfrm>
-            <a:off x="7045688" y="465793"/>
+            <a:off x="7023743" y="465793"/>
             <a:ext cx="2758711" cy="369332"/>
           </a:xfrm>
           <a:prstGeom prst="rect">
@@ -7666,6 +8268,65 @@
               <a:rPr lang="ko-KR" altLang="en-US" dirty="0"/>
               <a:t>에 검색 없음</a:t>
             </a:r>
+          </a:p>
+        </p:txBody>
+      </p:sp>
+      <p:sp>
+        <p:nvSpPr>
+          <p:cNvPr id="4" name="TextBox 3">
+            <a:extLst>
+              <a:ext uri="{FF2B5EF4-FFF2-40B4-BE49-F238E27FC236}">
+                <a16:creationId xmlns:a16="http://schemas.microsoft.com/office/drawing/2014/main" id="{595A33A4-519C-7760-6C16-B25BAA31BB81}"/>
+              </a:ext>
+            </a:extLst>
+          </p:cNvPr>
+          <p:cNvSpPr txBox="1"/>
+          <p:nvPr/>
+        </p:nvSpPr>
+        <p:spPr>
+          <a:xfrm>
+            <a:off x="7023743" y="939607"/>
+            <a:ext cx="3422363" cy="1200329"/>
+          </a:xfrm>
+          <a:prstGeom prst="rect">
+            <a:avLst/>
+          </a:prstGeom>
+          <a:noFill/>
+        </p:spPr>
+        <p:txBody>
+          <a:bodyPr wrap="square" rtlCol="0">
+            <a:spAutoFit/>
+          </a:bodyPr>
+          <a:lstStyle/>
+          <a:p>
+            <a:pPr marL="285750" indent="-285750">
+              <a:buFontTx/>
+              <a:buChar char="-"/>
+            </a:pPr>
+            <a:r>
+              <a:rPr lang="ko-KR" altLang="en-US" dirty="0"/>
+              <a:t>등록 누르면 마이페이지로 이동</a:t>
+            </a:r>
+            <a:endParaRPr lang="en-US" altLang="ko-KR" dirty="0"/>
+          </a:p>
+          <a:p>
+            <a:r>
+              <a:rPr lang="en-US" altLang="ko-KR" dirty="0"/>
+              <a:t>(register.do return</a:t>
+            </a:r>
+            <a:r>
+              <a:rPr lang="ko-KR" altLang="en-US" dirty="0"/>
+              <a:t> </a:t>
+            </a:r>
+            <a:r>
+              <a:rPr lang="en-US" altLang="ko-KR" dirty="0" err="1"/>
+              <a:t>redirect:mypage.page</a:t>
+            </a:r>
+            <a:r>
+              <a:rPr lang="en-US" altLang="ko-KR" dirty="0"/>
+              <a:t>)</a:t>
+            </a:r>
+            <a:endParaRPr lang="ko-KR" altLang="en-US" dirty="0"/>
           </a:p>
         </p:txBody>
       </p:sp>
@@ -7714,7 +8375,7 @@
         <p:spPr>
           <a:xfrm>
             <a:off x="431597" y="219456"/>
-            <a:ext cx="4889480" cy="369332"/>
+            <a:ext cx="7353231" cy="369332"/>
           </a:xfrm>
           <a:prstGeom prst="rect">
             <a:avLst/>
@@ -7738,6 +8399,22 @@
             <a:r>
               <a:rPr lang="ko-KR" altLang="en-US" dirty="0"/>
               <a:t>헤더 작가신청 누르면 나오는 페이지</a:t>
+            </a:r>
+            <a:r>
+              <a:rPr lang="en-US" altLang="ko-KR" dirty="0"/>
+              <a:t>) (</a:t>
+            </a:r>
+            <a:r>
+              <a:rPr lang="en-US" altLang="ko-KR" dirty="0" err="1"/>
+              <a:t>login.page</a:t>
+            </a:r>
+            <a:r>
+              <a:rPr lang="en-US" altLang="ko-KR" dirty="0"/>
+              <a:t> – </a:t>
+            </a:r>
+            <a:r>
+              <a:rPr lang="en-US" altLang="ko-KR" dirty="0" err="1"/>
+              <a:t>login.jsp</a:t>
             </a:r>
             <a:r>
               <a:rPr lang="en-US" altLang="ko-KR" dirty="0"/>
@@ -7950,6 +8627,75 @@
                 <a:schemeClr val="tx1"/>
               </a:solidFill>
             </a:endParaRPr>
+          </a:p>
+        </p:txBody>
+      </p:sp>
+      <p:sp>
+        <p:nvSpPr>
+          <p:cNvPr id="3" name="TextBox 2">
+            <a:extLst>
+              <a:ext uri="{FF2B5EF4-FFF2-40B4-BE49-F238E27FC236}">
+                <a16:creationId xmlns:a16="http://schemas.microsoft.com/office/drawing/2014/main" id="{AA2FFFD0-9E03-3000-3E69-F5CDEF2F1B22}"/>
+              </a:ext>
+            </a:extLst>
+          </p:cNvPr>
+          <p:cNvSpPr txBox="1"/>
+          <p:nvPr/>
+        </p:nvSpPr>
+        <p:spPr>
+          <a:xfrm>
+            <a:off x="5262946" y="3117077"/>
+            <a:ext cx="3609643" cy="646331"/>
+          </a:xfrm>
+          <a:prstGeom prst="rect">
+            <a:avLst/>
+          </a:prstGeom>
+          <a:noFill/>
+        </p:spPr>
+        <p:txBody>
+          <a:bodyPr wrap="none" rtlCol="0">
+            <a:spAutoFit/>
+          </a:bodyPr>
+          <a:lstStyle/>
+          <a:p>
+            <a:r>
+              <a:rPr lang="ko-KR" altLang="en-US" dirty="0"/>
+              <a:t>로그인 누르면 </a:t>
+            </a:r>
+            <a:r>
+              <a:rPr lang="en-US" altLang="ko-KR" dirty="0"/>
+              <a:t>referrer </a:t>
+            </a:r>
+            <a:r>
+              <a:rPr lang="ko-KR" altLang="en-US" dirty="0"/>
+              <a:t>등록</a:t>
+            </a:r>
+            <a:r>
+              <a:rPr lang="en-US" altLang="ko-KR" dirty="0"/>
+              <a:t>,</a:t>
+            </a:r>
+          </a:p>
+          <a:p>
+            <a:r>
+              <a:rPr lang="en-US" altLang="ko-KR" dirty="0" err="1"/>
+              <a:t>Referer</a:t>
+            </a:r>
+            <a:r>
+              <a:rPr lang="en-US" altLang="ko-KR" dirty="0"/>
+              <a:t> </a:t>
+            </a:r>
+            <a:r>
+              <a:rPr lang="ko-KR" altLang="en-US" dirty="0"/>
+              <a:t>값 없으면 </a:t>
+            </a:r>
+            <a:r>
+              <a:rPr lang="en-US" altLang="ko-KR" dirty="0"/>
+              <a:t>main</a:t>
+            </a:r>
+            <a:r>
+              <a:rPr lang="ko-KR" altLang="en-US" dirty="0"/>
+              <a:t>으로 이동</a:t>
+            </a:r>
           </a:p>
         </p:txBody>
       </p:sp>
